--- a/Лекции/ИТиП лек 1 (лр 1).pptx
+++ b/Лекции/ИТиП лек 1 (лр 1).pptx
@@ -250,7 +250,7 @@
             <a:fld id="{AA2F9473-F066-431E-A6E8-1D478C995A6B}" type="datetimeFigureOut">
               <a:rPr lang="en-US" smtClean="0"/>
               <a:pPr/>
-              <a:t>9/6/2024</a:t>
+              <a:t>9/19/2024</a:t>
             </a:fld>
             <a:endParaRPr lang="en-US"/>
           </a:p>
@@ -20807,8 +20807,8 @@
         </p:nvSpPr>
         <p:spPr>
           <a:xfrm>
-            <a:off x="0" y="0"/>
-            <a:ext cx="12192000" cy="5152180"/>
+            <a:off x="375346" y="0"/>
+            <a:ext cx="11816654" cy="5152180"/>
           </a:xfrm>
           <a:prstGeom prst="rect">
             <a:avLst/>
@@ -20848,16 +20848,10 @@
               <a:rPr lang="ru-RU" sz="2400" dirty="0">
                 <a:latin typeface="Bookman Old Style" panose="02050604050505020204" pitchFamily="18" charset="0"/>
               </a:rPr>
-              <a:t>определённого типа, в которой может храниться значение </a:t>
-            </a:r>
-            <a:r>
-              <a:rPr lang="ru-RU" sz="2400">
-                <a:latin typeface="Bookman Old Style" panose="02050604050505020204" pitchFamily="18" charset="0"/>
-              </a:rPr>
-              <a:t>данного </a:t>
-            </a:r>
-            <a:r>
-              <a:rPr lang="ru-RU" sz="2400" smtClean="0">
+              <a:t>определённого типа, в которой может храниться значение данного </a:t>
+            </a:r>
+            <a:r>
+              <a:rPr lang="ru-RU" sz="2400" dirty="0" smtClean="0">
                 <a:latin typeface="Bookman Old Style" panose="02050604050505020204" pitchFamily="18" charset="0"/>
               </a:rPr>
               <a:t>типа.</a:t>
@@ -22392,8 +22386,8 @@
         </p:nvSpPr>
         <p:spPr>
           <a:xfrm>
-            <a:off x="0" y="0"/>
-            <a:ext cx="12192000" cy="6592574"/>
+            <a:off x="215152" y="0"/>
+            <a:ext cx="11976847" cy="6592574"/>
           </a:xfrm>
           <a:prstGeom prst="rect">
             <a:avLst/>
@@ -22991,8 +22985,8 @@
         </p:nvSpPr>
         <p:spPr>
           <a:xfrm>
-            <a:off x="0" y="0"/>
-            <a:ext cx="12192000" cy="6592574"/>
+            <a:off x="290456" y="0"/>
+            <a:ext cx="11901544" cy="6592574"/>
           </a:xfrm>
           <a:prstGeom prst="rect">
             <a:avLst/>
@@ -25551,8 +25545,8 @@
         </p:nvSpPr>
         <p:spPr>
           <a:xfrm>
-            <a:off x="146304" y="200814"/>
-            <a:ext cx="11953037" cy="6524863"/>
+            <a:off x="307812" y="160033"/>
+            <a:ext cx="11884188" cy="6592574"/>
           </a:xfrm>
           <a:prstGeom prst="rect">
             <a:avLst/>
@@ -27206,8 +27200,8 @@
         </p:blipFill>
         <p:spPr>
           <a:xfrm>
-            <a:off x="0" y="0"/>
-            <a:ext cx="12192000" cy="5265300"/>
+            <a:off x="344244" y="0"/>
+            <a:ext cx="11847756" cy="5265300"/>
           </a:xfrm>
           <a:prstGeom prst="rect">
             <a:avLst/>
@@ -27228,8 +27222,8 @@
         </p:nvSpPr>
         <p:spPr>
           <a:xfrm>
-            <a:off x="0" y="5265300"/>
-            <a:ext cx="9316907" cy="1569660"/>
+            <a:off x="344244" y="5265300"/>
+            <a:ext cx="11847755" cy="1569660"/>
           </a:xfrm>
           <a:prstGeom prst="rect">
             <a:avLst/>
@@ -27534,8 +27528,8 @@
         </p:blipFill>
         <p:spPr>
           <a:xfrm>
-            <a:off x="0" y="-1"/>
-            <a:ext cx="12192000" cy="4841799"/>
+            <a:off x="236668" y="-1"/>
+            <a:ext cx="11955332" cy="4841799"/>
           </a:xfrm>
           <a:prstGeom prst="rect">
             <a:avLst/>
@@ -27556,8 +27550,8 @@
         </p:nvSpPr>
         <p:spPr>
           <a:xfrm>
-            <a:off x="0" y="4841798"/>
-            <a:ext cx="12192000" cy="1938992"/>
+            <a:off x="236668" y="4841798"/>
+            <a:ext cx="11955332" cy="1938992"/>
           </a:xfrm>
           <a:prstGeom prst="rect">
             <a:avLst/>
@@ -27884,8 +27878,8 @@
         </p:blipFill>
         <p:spPr>
           <a:xfrm>
-            <a:off x="0" y="0"/>
-            <a:ext cx="12192000" cy="4078514"/>
+            <a:off x="279698" y="0"/>
+            <a:ext cx="11912301" cy="4098664"/>
           </a:xfrm>
           <a:prstGeom prst="rect">
             <a:avLst/>
@@ -28071,8 +28065,8 @@
         </p:blipFill>
         <p:spPr>
           <a:xfrm>
-            <a:off x="-1" y="0"/>
-            <a:ext cx="12192001" cy="5924550"/>
+            <a:off x="193638" y="-1"/>
+            <a:ext cx="11998362" cy="5992009"/>
           </a:xfrm>
           <a:prstGeom prst="rect">
             <a:avLst/>
@@ -28250,8 +28244,8 @@
         </p:blipFill>
         <p:spPr>
           <a:xfrm>
-            <a:off x="0" y="0"/>
-            <a:ext cx="12192001" cy="4061676"/>
+            <a:off x="215153" y="0"/>
+            <a:ext cx="11976848" cy="4152452"/>
           </a:xfrm>
           <a:prstGeom prst="rect">
             <a:avLst/>
@@ -30143,8 +30137,8 @@
         </p:nvSpPr>
         <p:spPr>
           <a:xfrm>
-            <a:off x="0" y="654356"/>
-            <a:ext cx="12191999" cy="6001643"/>
+            <a:off x="268941" y="654356"/>
+            <a:ext cx="11923058" cy="6001643"/>
           </a:xfrm>
           <a:prstGeom prst="rect">
             <a:avLst/>
@@ -30939,8 +30933,8 @@
         </p:nvSpPr>
         <p:spPr>
           <a:xfrm>
-            <a:off x="0" y="540056"/>
-            <a:ext cx="12191999" cy="4154984"/>
+            <a:off x="344245" y="540056"/>
+            <a:ext cx="11847754" cy="4154984"/>
           </a:xfrm>
           <a:prstGeom prst="rect">
             <a:avLst/>

--- a/Лекции/ИТиП лек 1 (лр 1).pptx
+++ b/Лекции/ИТиП лек 1 (лр 1).pptx
@@ -250,7 +250,7 @@
             <a:fld id="{AA2F9473-F066-431E-A6E8-1D478C995A6B}" type="datetimeFigureOut">
               <a:rPr lang="en-US" smtClean="0"/>
               <a:pPr/>
-              <a:t>9/19/2024</a:t>
+              <a:t>10/13/2024</a:t>
             </a:fld>
             <a:endParaRPr lang="en-US"/>
           </a:p>
@@ -29276,8 +29276,11 @@
               <a:rPr lang="ru-RU" altLang="ru-RU" sz="2400" dirty="0" smtClean="0">
                 <a:latin typeface="Bookman Old Style" pitchFamily="18" charset="0"/>
               </a:rPr>
-              <a:t>код</a:t>
-            </a:r>
+              <a:t>код (много противоречий, лучше см. п. 3)</a:t>
+            </a:r>
+            <a:endParaRPr lang="ru-RU" altLang="ru-RU" sz="2400" dirty="0" smtClean="0">
+              <a:latin typeface="Bookman Old Style" pitchFamily="18" charset="0"/>
+            </a:endParaRPr>
           </a:p>
           <a:p>
             <a:pPr marL="457200" indent="-457200">

--- a/Лекции/ИТиП лек 1 (лр 1).pptx
+++ b/Лекции/ИТиП лек 1 (лр 1).pptx
@@ -250,7 +250,7 @@
             <a:fld id="{AA2F9473-F066-431E-A6E8-1D478C995A6B}" type="datetimeFigureOut">
               <a:rPr lang="en-US" smtClean="0"/>
               <a:pPr/>
-              <a:t>10/13/2024</a:t>
+              <a:t>11/27/2024</a:t>
             </a:fld>
             <a:endParaRPr lang="en-US"/>
           </a:p>
@@ -17435,7 +17435,7 @@
           <p:nvPr>
             <p:extLst>
               <p:ext uri="{D42A27DB-BD31-4B8C-83A1-F6EECF244321}">
-                <p14:modId xmlns:p14="http://schemas.microsoft.com/office/powerpoint/2010/main" val="1154662519"/>
+                <p14:modId xmlns:p14="http://schemas.microsoft.com/office/powerpoint/2010/main" val="419146343"/>
               </p:ext>
             </p:extLst>
           </p:nvPr>
@@ -18702,7 +18702,17 @@
                     <a:p>
                       <a:pPr algn="ctr" fontAlgn="base"/>
                       <a:r>
-                        <a:rPr lang="en-US" sz="2400" b="1" dirty="0">
+                        <a:rPr lang="ru-RU" sz="2400" b="1" dirty="0" smtClean="0">
+                          <a:solidFill>
+                            <a:schemeClr val="tx1"/>
+                          </a:solidFill>
+                          <a:effectLst/>
+                          <a:latin typeface="Bookman Old Style" panose="02050604050505020204" pitchFamily="18" charset="0"/>
+                        </a:rPr>
+                        <a:t>14+</a:t>
+                      </a:r>
+                      <a:r>
+                        <a:rPr lang="en-US" sz="2400" b="1" dirty="0" smtClean="0">
                           <a:solidFill>
                             <a:schemeClr val="tx1"/>
                           </a:solidFill>
@@ -29278,9 +29288,6 @@
               </a:rPr>
               <a:t>код (много противоречий, лучше см. п. 3)</a:t>
             </a:r>
-            <a:endParaRPr lang="ru-RU" altLang="ru-RU" sz="2400" dirty="0" smtClean="0">
-              <a:latin typeface="Bookman Old Style" pitchFamily="18" charset="0"/>
-            </a:endParaRPr>
           </a:p>
           <a:p>
             <a:pPr marL="457200" indent="-457200">

--- a/Лекции/ИТиП лек 1 (лр 1).pptx
+++ b/Лекции/ИТиП лек 1 (лр 1).pptx
@@ -250,7 +250,7 @@
             <a:fld id="{AA2F9473-F066-431E-A6E8-1D478C995A6B}" type="datetimeFigureOut">
               <a:rPr lang="en-US" smtClean="0"/>
               <a:pPr/>
-              <a:t>11/27/2024</a:t>
+              <a:t>3/29/2025</a:t>
             </a:fld>
             <a:endParaRPr lang="en-US"/>
           </a:p>
@@ -29162,10 +29162,28 @@
               <a:rPr lang="ru-RU" sz="2400" b="1" dirty="0">
                 <a:latin typeface="Bookman Old Style" pitchFamily="18" charset="0"/>
               </a:rPr>
-              <a:t>Полное руководство по языку программирования С# 12 и платформе .NET 8:</a:t>
-            </a:r>
-            <a:r>
-              <a:rPr lang="en-US" sz="2400" b="1" dirty="0">
+              <a:t>Полное руководство по языку программирования С# </a:t>
+            </a:r>
+            <a:r>
+              <a:rPr lang="ru-RU" sz="2400" b="1" dirty="0" smtClean="0">
+                <a:latin typeface="Bookman Old Style" pitchFamily="18" charset="0"/>
+              </a:rPr>
+              <a:t>13 </a:t>
+            </a:r>
+            <a:r>
+              <a:rPr lang="ru-RU" sz="2400" b="1" dirty="0">
+                <a:latin typeface="Bookman Old Style" pitchFamily="18" charset="0"/>
+              </a:rPr>
+              <a:t>и платформе .NET </a:t>
+            </a:r>
+            <a:r>
+              <a:rPr lang="ru-RU" sz="2400" b="1" dirty="0" smtClean="0">
+                <a:latin typeface="Bookman Old Style" pitchFamily="18" charset="0"/>
+              </a:rPr>
+              <a:t>9:</a:t>
+            </a:r>
+            <a:r>
+              <a:rPr lang="en-US" sz="2400" b="1" dirty="0" smtClean="0">
                 <a:latin typeface="Bookman Old Style" pitchFamily="18" charset="0"/>
               </a:rPr>
               <a:t> </a:t>
@@ -29286,8 +29304,11 @@
               <a:rPr lang="ru-RU" altLang="ru-RU" sz="2400" dirty="0" smtClean="0">
                 <a:latin typeface="Bookman Old Style" pitchFamily="18" charset="0"/>
               </a:rPr>
-              <a:t>код (много противоречий, лучше см. п. 3)</a:t>
-            </a:r>
+              <a:t>код</a:t>
+            </a:r>
+            <a:endParaRPr lang="ru-RU" altLang="ru-RU" sz="2400" dirty="0" smtClean="0">
+              <a:latin typeface="Bookman Old Style" pitchFamily="18" charset="0"/>
+            </a:endParaRPr>
           </a:p>
           <a:p>
             <a:pPr marL="457200" indent="-457200">

--- a/Лекции/ИТиП лек 1 (лр 1).pptx
+++ b/Лекции/ИТиП лек 1 (лр 1).pptx
@@ -250,7 +250,7 @@
             <a:fld id="{AA2F9473-F066-431E-A6E8-1D478C995A6B}" type="datetimeFigureOut">
               <a:rPr lang="en-US" smtClean="0"/>
               <a:pPr/>
-              <a:t>3/29/2025</a:t>
+              <a:t>4/10/2025</a:t>
             </a:fld>
             <a:endParaRPr lang="en-US"/>
           </a:p>
@@ -4792,7 +4792,7 @@
           <p:cNvPr id="9" name="Номер слайда 3">
             <a:extLst>
               <a:ext uri="{FF2B5EF4-FFF2-40B4-BE49-F238E27FC236}">
-                <a16:creationId xmlns:a16="http://schemas.microsoft.com/office/drawing/2014/main" id="{3DF48714-7FE4-4364-BF9D-28B9C9E2979D}"/>
+                <a16:creationId xmlns="" xmlns:a16="http://schemas.microsoft.com/office/drawing/2014/main" id="{3DF48714-7FE4-4364-BF9D-28B9C9E2979D}"/>
               </a:ext>
             </a:extLst>
           </p:cNvPr>
@@ -5018,7 +5018,7 @@
           <p:cNvPr id="10" name="Номер слайда 3">
             <a:extLst>
               <a:ext uri="{FF2B5EF4-FFF2-40B4-BE49-F238E27FC236}">
-                <a16:creationId xmlns:a16="http://schemas.microsoft.com/office/drawing/2014/main" id="{3DF48714-7FE4-4364-BF9D-28B9C9E2979D}"/>
+                <a16:creationId xmlns="" xmlns:a16="http://schemas.microsoft.com/office/drawing/2014/main" id="{3DF48714-7FE4-4364-BF9D-28B9C9E2979D}"/>
               </a:ext>
             </a:extLst>
           </p:cNvPr>
@@ -5245,7 +5245,7 @@
           <p:cNvPr id="9" name="Номер слайда 3">
             <a:extLst>
               <a:ext uri="{FF2B5EF4-FFF2-40B4-BE49-F238E27FC236}">
-                <a16:creationId xmlns:a16="http://schemas.microsoft.com/office/drawing/2014/main" id="{3DF48714-7FE4-4364-BF9D-28B9C9E2979D}"/>
+                <a16:creationId xmlns="" xmlns:a16="http://schemas.microsoft.com/office/drawing/2014/main" id="{3DF48714-7FE4-4364-BF9D-28B9C9E2979D}"/>
               </a:ext>
             </a:extLst>
           </p:cNvPr>
@@ -5383,7 +5383,7 @@
           <p:cNvPr id="7" name="Номер слайда 3">
             <a:extLst>
               <a:ext uri="{FF2B5EF4-FFF2-40B4-BE49-F238E27FC236}">
-                <a16:creationId xmlns:a16="http://schemas.microsoft.com/office/drawing/2014/main" id="{3DF48714-7FE4-4364-BF9D-28B9C9E2979D}"/>
+                <a16:creationId xmlns="" xmlns:a16="http://schemas.microsoft.com/office/drawing/2014/main" id="{3DF48714-7FE4-4364-BF9D-28B9C9E2979D}"/>
               </a:ext>
             </a:extLst>
           </p:cNvPr>
@@ -5609,7 +5609,7 @@
           <p:cNvPr id="9" name="Номер слайда 3">
             <a:extLst>
               <a:ext uri="{FF2B5EF4-FFF2-40B4-BE49-F238E27FC236}">
-                <a16:creationId xmlns:a16="http://schemas.microsoft.com/office/drawing/2014/main" id="{3DF48714-7FE4-4364-BF9D-28B9C9E2979D}"/>
+                <a16:creationId xmlns="" xmlns:a16="http://schemas.microsoft.com/office/drawing/2014/main" id="{3DF48714-7FE4-4364-BF9D-28B9C9E2979D}"/>
               </a:ext>
             </a:extLst>
           </p:cNvPr>
@@ -5911,7 +5911,7 @@
           <p:cNvPr id="9" name="Номер слайда 3">
             <a:extLst>
               <a:ext uri="{FF2B5EF4-FFF2-40B4-BE49-F238E27FC236}">
-                <a16:creationId xmlns:a16="http://schemas.microsoft.com/office/drawing/2014/main" id="{3DF48714-7FE4-4364-BF9D-28B9C9E2979D}"/>
+                <a16:creationId xmlns="" xmlns:a16="http://schemas.microsoft.com/office/drawing/2014/main" id="{3DF48714-7FE4-4364-BF9D-28B9C9E2979D}"/>
               </a:ext>
             </a:extLst>
           </p:cNvPr>
@@ -6190,7 +6190,7 @@
           <p:cNvPr id="10" name="Номер слайда 3">
             <a:extLst>
               <a:ext uri="{FF2B5EF4-FFF2-40B4-BE49-F238E27FC236}">
-                <a16:creationId xmlns:a16="http://schemas.microsoft.com/office/drawing/2014/main" id="{3DF48714-7FE4-4364-BF9D-28B9C9E2979D}"/>
+                <a16:creationId xmlns="" xmlns:a16="http://schemas.microsoft.com/office/drawing/2014/main" id="{3DF48714-7FE4-4364-BF9D-28B9C9E2979D}"/>
               </a:ext>
             </a:extLst>
           </p:cNvPr>
@@ -6604,7 +6604,7 @@
           <p:cNvPr id="12" name="Номер слайда 3">
             <a:extLst>
               <a:ext uri="{FF2B5EF4-FFF2-40B4-BE49-F238E27FC236}">
-                <a16:creationId xmlns:a16="http://schemas.microsoft.com/office/drawing/2014/main" id="{3DF48714-7FE4-4364-BF9D-28B9C9E2979D}"/>
+                <a16:creationId xmlns="" xmlns:a16="http://schemas.microsoft.com/office/drawing/2014/main" id="{3DF48714-7FE4-4364-BF9D-28B9C9E2979D}"/>
               </a:ext>
             </a:extLst>
           </p:cNvPr>
@@ -6769,7 +6769,7 @@
           <p:cNvPr id="8" name="Номер слайда 3">
             <a:extLst>
               <a:ext uri="{FF2B5EF4-FFF2-40B4-BE49-F238E27FC236}">
-                <a16:creationId xmlns:a16="http://schemas.microsoft.com/office/drawing/2014/main" id="{3DF48714-7FE4-4364-BF9D-28B9C9E2979D}"/>
+                <a16:creationId xmlns="" xmlns:a16="http://schemas.microsoft.com/office/drawing/2014/main" id="{3DF48714-7FE4-4364-BF9D-28B9C9E2979D}"/>
               </a:ext>
             </a:extLst>
           </p:cNvPr>
@@ -6920,7 +6920,7 @@
           <p:cNvPr id="7" name="Номер слайда 3">
             <a:extLst>
               <a:ext uri="{FF2B5EF4-FFF2-40B4-BE49-F238E27FC236}">
-                <a16:creationId xmlns:a16="http://schemas.microsoft.com/office/drawing/2014/main" id="{3DF48714-7FE4-4364-BF9D-28B9C9E2979D}"/>
+                <a16:creationId xmlns="" xmlns:a16="http://schemas.microsoft.com/office/drawing/2014/main" id="{3DF48714-7FE4-4364-BF9D-28B9C9E2979D}"/>
               </a:ext>
             </a:extLst>
           </p:cNvPr>
@@ -7253,7 +7253,7 @@
           <p:cNvPr id="10" name="Номер слайда 3">
             <a:extLst>
               <a:ext uri="{FF2B5EF4-FFF2-40B4-BE49-F238E27FC236}">
-                <a16:creationId xmlns:a16="http://schemas.microsoft.com/office/drawing/2014/main" id="{3DF48714-7FE4-4364-BF9D-28B9C9E2979D}"/>
+                <a16:creationId xmlns="" xmlns:a16="http://schemas.microsoft.com/office/drawing/2014/main" id="{3DF48714-7FE4-4364-BF9D-28B9C9E2979D}"/>
               </a:ext>
             </a:extLst>
           </p:cNvPr>
@@ -7557,7 +7557,7 @@
           <p:cNvPr id="10" name="Номер слайда 3">
             <a:extLst>
               <a:ext uri="{FF2B5EF4-FFF2-40B4-BE49-F238E27FC236}">
-                <a16:creationId xmlns:a16="http://schemas.microsoft.com/office/drawing/2014/main" id="{3DF48714-7FE4-4364-BF9D-28B9C9E2979D}"/>
+                <a16:creationId xmlns="" xmlns:a16="http://schemas.microsoft.com/office/drawing/2014/main" id="{3DF48714-7FE4-4364-BF9D-28B9C9E2979D}"/>
               </a:ext>
             </a:extLst>
           </p:cNvPr>
@@ -7838,7 +7838,7 @@
           <p:cNvPr id="9" name="Номер слайда 3">
             <a:extLst>
               <a:ext uri="{FF2B5EF4-FFF2-40B4-BE49-F238E27FC236}">
-                <a16:creationId xmlns:a16="http://schemas.microsoft.com/office/drawing/2014/main" id="{3DF48714-7FE4-4364-BF9D-28B9C9E2979D}"/>
+                <a16:creationId xmlns="" xmlns:a16="http://schemas.microsoft.com/office/drawing/2014/main" id="{3DF48714-7FE4-4364-BF9D-28B9C9E2979D}"/>
               </a:ext>
             </a:extLst>
           </p:cNvPr>
@@ -8314,7 +8314,7 @@
           <p:cNvPr id="17" name="Заголовок 16">
             <a:extLst>
               <a:ext uri="{FF2B5EF4-FFF2-40B4-BE49-F238E27FC236}">
-                <a16:creationId xmlns:a16="http://schemas.microsoft.com/office/drawing/2014/main" id="{D630362D-1F09-46B4-9DE4-AEA483AC82FD}"/>
+                <a16:creationId xmlns="" xmlns:a16="http://schemas.microsoft.com/office/drawing/2014/main" id="{D630362D-1F09-46B4-9DE4-AEA483AC82FD}"/>
               </a:ext>
             </a:extLst>
           </p:cNvPr>
@@ -8848,7 +8848,7 @@
           <p:cNvPr id="22" name="Rectangle 28" descr="Светлый диагональный 2">
             <a:extLst>
               <a:ext uri="{FF2B5EF4-FFF2-40B4-BE49-F238E27FC236}">
-                <a16:creationId xmlns:a16="http://schemas.microsoft.com/office/drawing/2014/main" id="{2A0E99F7-A4CC-4E8F-8C74-D6A03276576B}"/>
+                <a16:creationId xmlns="" xmlns:a16="http://schemas.microsoft.com/office/drawing/2014/main" id="{2A0E99F7-A4CC-4E8F-8C74-D6A03276576B}"/>
               </a:ext>
             </a:extLst>
           </p:cNvPr>
@@ -8926,7 +8926,7 @@
           <p:cNvPr id="23" name="TextBox 22">
             <a:extLst>
               <a:ext uri="{FF2B5EF4-FFF2-40B4-BE49-F238E27FC236}">
-                <a16:creationId xmlns:a16="http://schemas.microsoft.com/office/drawing/2014/main" id="{99DF0FE0-DB9D-4180-8370-CD26FB46DF57}"/>
+                <a16:creationId xmlns="" xmlns:a16="http://schemas.microsoft.com/office/drawing/2014/main" id="{99DF0FE0-DB9D-4180-8370-CD26FB46DF57}"/>
               </a:ext>
             </a:extLst>
           </p:cNvPr>
@@ -9549,7 +9549,7 @@
           <p:cNvPr id="22" name="Rectangle 28" descr="Светлый диагональный 2">
             <a:extLst>
               <a:ext uri="{FF2B5EF4-FFF2-40B4-BE49-F238E27FC236}">
-                <a16:creationId xmlns:a16="http://schemas.microsoft.com/office/drawing/2014/main" id="{2A0E99F7-A4CC-4E8F-8C74-D6A03276576B}"/>
+                <a16:creationId xmlns="" xmlns:a16="http://schemas.microsoft.com/office/drawing/2014/main" id="{2A0E99F7-A4CC-4E8F-8C74-D6A03276576B}"/>
               </a:ext>
             </a:extLst>
           </p:cNvPr>
@@ -9618,7 +9618,7 @@
           <p:cNvPr id="23" name="TextBox 22">
             <a:extLst>
               <a:ext uri="{FF2B5EF4-FFF2-40B4-BE49-F238E27FC236}">
-                <a16:creationId xmlns:a16="http://schemas.microsoft.com/office/drawing/2014/main" id="{99DF0FE0-DB9D-4180-8370-CD26FB46DF57}"/>
+                <a16:creationId xmlns="" xmlns:a16="http://schemas.microsoft.com/office/drawing/2014/main" id="{99DF0FE0-DB9D-4180-8370-CD26FB46DF57}"/>
               </a:ext>
             </a:extLst>
           </p:cNvPr>
@@ -10214,7 +10214,7 @@
           <p:cNvPr id="23" name="TextBox 22">
             <a:extLst>
               <a:ext uri="{FF2B5EF4-FFF2-40B4-BE49-F238E27FC236}">
-                <a16:creationId xmlns:a16="http://schemas.microsoft.com/office/drawing/2014/main" id="{99DF0FE0-DB9D-4180-8370-CD26FB46DF57}"/>
+                <a16:creationId xmlns="" xmlns:a16="http://schemas.microsoft.com/office/drawing/2014/main" id="{99DF0FE0-DB9D-4180-8370-CD26FB46DF57}"/>
               </a:ext>
             </a:extLst>
           </p:cNvPr>
@@ -10419,7 +10419,7 @@
           <p:cNvPr id="5" name="Rectangle 28" descr="Светлый диагональный 2">
             <a:extLst>
               <a:ext uri="{FF2B5EF4-FFF2-40B4-BE49-F238E27FC236}">
-                <a16:creationId xmlns:a16="http://schemas.microsoft.com/office/drawing/2014/main" id="{2A0E99F7-A4CC-4E8F-8C74-D6A03276576B}"/>
+                <a16:creationId xmlns="" xmlns:a16="http://schemas.microsoft.com/office/drawing/2014/main" id="{2A0E99F7-A4CC-4E8F-8C74-D6A03276576B}"/>
               </a:ext>
             </a:extLst>
           </p:cNvPr>
@@ -10676,7 +10676,7 @@
           <p:cNvPr id="23" name="TextBox 22">
             <a:extLst>
               <a:ext uri="{FF2B5EF4-FFF2-40B4-BE49-F238E27FC236}">
-                <a16:creationId xmlns:a16="http://schemas.microsoft.com/office/drawing/2014/main" id="{99DF0FE0-DB9D-4180-8370-CD26FB46DF57}"/>
+                <a16:creationId xmlns="" xmlns:a16="http://schemas.microsoft.com/office/drawing/2014/main" id="{99DF0FE0-DB9D-4180-8370-CD26FB46DF57}"/>
               </a:ext>
             </a:extLst>
           </p:cNvPr>
@@ -10854,7 +10854,7 @@
           <p:cNvPr id="23" name="TextBox 22">
             <a:extLst>
               <a:ext uri="{FF2B5EF4-FFF2-40B4-BE49-F238E27FC236}">
-                <a16:creationId xmlns:a16="http://schemas.microsoft.com/office/drawing/2014/main" id="{99DF0FE0-DB9D-4180-8370-CD26FB46DF57}"/>
+                <a16:creationId xmlns="" xmlns:a16="http://schemas.microsoft.com/office/drawing/2014/main" id="{99DF0FE0-DB9D-4180-8370-CD26FB46DF57}"/>
               </a:ext>
             </a:extLst>
           </p:cNvPr>
@@ -11219,7 +11219,7 @@
           <p:cNvPr id="3" name="Рисунок 2">
             <a:extLst>
               <a:ext uri="{FF2B5EF4-FFF2-40B4-BE49-F238E27FC236}">
-                <a16:creationId xmlns:a16="http://schemas.microsoft.com/office/drawing/2014/main" id="{859C4B86-B6A4-4A4B-880A-EE14445C6884}"/>
+                <a16:creationId xmlns="" xmlns:a16="http://schemas.microsoft.com/office/drawing/2014/main" id="{859C4B86-B6A4-4A4B-880A-EE14445C6884}"/>
               </a:ext>
             </a:extLst>
           </p:cNvPr>
@@ -11248,7 +11248,7 @@
           <p:cNvPr id="13" name="TextBox 12">
             <a:extLst>
               <a:ext uri="{FF2B5EF4-FFF2-40B4-BE49-F238E27FC236}">
-                <a16:creationId xmlns:a16="http://schemas.microsoft.com/office/drawing/2014/main" id="{E0696F13-9733-4285-99D6-6649D7834871}"/>
+                <a16:creationId xmlns="" xmlns:a16="http://schemas.microsoft.com/office/drawing/2014/main" id="{E0696F13-9733-4285-99D6-6649D7834871}"/>
               </a:ext>
             </a:extLst>
           </p:cNvPr>
@@ -11290,7 +11290,7 @@
           <p:cNvPr id="10" name="Рисунок 9">
             <a:extLst>
               <a:ext uri="{FF2B5EF4-FFF2-40B4-BE49-F238E27FC236}">
-                <a16:creationId xmlns:a16="http://schemas.microsoft.com/office/drawing/2014/main" id="{859C4B86-B6A4-4A4B-880A-EE14445C6884}"/>
+                <a16:creationId xmlns="" xmlns:a16="http://schemas.microsoft.com/office/drawing/2014/main" id="{859C4B86-B6A4-4A4B-880A-EE14445C6884}"/>
               </a:ext>
             </a:extLst>
           </p:cNvPr>
@@ -11319,7 +11319,7 @@
           <p:cNvPr id="11" name="Рисунок 10">
             <a:extLst>
               <a:ext uri="{FF2B5EF4-FFF2-40B4-BE49-F238E27FC236}">
-                <a16:creationId xmlns:a16="http://schemas.microsoft.com/office/drawing/2014/main" id="{859C4B86-B6A4-4A4B-880A-EE14445C6884}"/>
+                <a16:creationId xmlns="" xmlns:a16="http://schemas.microsoft.com/office/drawing/2014/main" id="{859C4B86-B6A4-4A4B-880A-EE14445C6884}"/>
               </a:ext>
             </a:extLst>
           </p:cNvPr>
@@ -11348,7 +11348,7 @@
           <p:cNvPr id="14" name="TextBox 13">
             <a:extLst>
               <a:ext uri="{FF2B5EF4-FFF2-40B4-BE49-F238E27FC236}">
-                <a16:creationId xmlns:a16="http://schemas.microsoft.com/office/drawing/2014/main" id="{E0696F13-9733-4285-99D6-6649D7834871}"/>
+                <a16:creationId xmlns="" xmlns:a16="http://schemas.microsoft.com/office/drawing/2014/main" id="{E0696F13-9733-4285-99D6-6649D7834871}"/>
               </a:ext>
             </a:extLst>
           </p:cNvPr>
@@ -11762,7 +11762,7 @@
           <p:cNvPr id="21" name="TextBox 20">
             <a:extLst>
               <a:ext uri="{FF2B5EF4-FFF2-40B4-BE49-F238E27FC236}">
-                <a16:creationId xmlns:a16="http://schemas.microsoft.com/office/drawing/2014/main" id="{99DF0FE0-DB9D-4180-8370-CD26FB46DF57}"/>
+                <a16:creationId xmlns="" xmlns:a16="http://schemas.microsoft.com/office/drawing/2014/main" id="{99DF0FE0-DB9D-4180-8370-CD26FB46DF57}"/>
               </a:ext>
             </a:extLst>
           </p:cNvPr>
@@ -12055,7 +12055,7 @@
           <p:cNvPr id="21" name="TextBox 20">
             <a:extLst>
               <a:ext uri="{FF2B5EF4-FFF2-40B4-BE49-F238E27FC236}">
-                <a16:creationId xmlns:a16="http://schemas.microsoft.com/office/drawing/2014/main" id="{99DF0FE0-DB9D-4180-8370-CD26FB46DF57}"/>
+                <a16:creationId xmlns="" xmlns:a16="http://schemas.microsoft.com/office/drawing/2014/main" id="{99DF0FE0-DB9D-4180-8370-CD26FB46DF57}"/>
               </a:ext>
             </a:extLst>
           </p:cNvPr>
@@ -12196,7 +12196,7 @@
           <p:cNvPr id="6" name="TextBox 5">
             <a:extLst>
               <a:ext uri="{FF2B5EF4-FFF2-40B4-BE49-F238E27FC236}">
-                <a16:creationId xmlns:a16="http://schemas.microsoft.com/office/drawing/2014/main" id="{99DF0FE0-DB9D-4180-8370-CD26FB46DF57}"/>
+                <a16:creationId xmlns="" xmlns:a16="http://schemas.microsoft.com/office/drawing/2014/main" id="{99DF0FE0-DB9D-4180-8370-CD26FB46DF57}"/>
               </a:ext>
             </a:extLst>
           </p:cNvPr>
@@ -12373,7 +12373,7 @@
           <p:cNvPr id="9" name="Группа 8">
             <a:extLst>
               <a:ext uri="{FF2B5EF4-FFF2-40B4-BE49-F238E27FC236}">
-                <a16:creationId xmlns:a16="http://schemas.microsoft.com/office/drawing/2014/main" id="{D771CDE3-86D6-4AC2-A9C0-6F7337B2E52A}"/>
+                <a16:creationId xmlns="" xmlns:a16="http://schemas.microsoft.com/office/drawing/2014/main" id="{D771CDE3-86D6-4AC2-A9C0-6F7337B2E52A}"/>
               </a:ext>
             </a:extLst>
           </p:cNvPr>
@@ -12393,7 +12393,7 @@
             <p:cNvPr id="12" name="Прямоугольник 11">
               <a:extLst>
                 <a:ext uri="{FF2B5EF4-FFF2-40B4-BE49-F238E27FC236}">
-                  <a16:creationId xmlns:a16="http://schemas.microsoft.com/office/drawing/2014/main" id="{2F00CCE2-EF06-4BC9-9A80-496481B1266D}"/>
+                  <a16:creationId xmlns="" xmlns:a16="http://schemas.microsoft.com/office/drawing/2014/main" id="{2F00CCE2-EF06-4BC9-9A80-496481B1266D}"/>
                 </a:ext>
               </a:extLst>
             </p:cNvPr>
@@ -12458,7 +12458,7 @@
             <p:cNvPr id="13" name="Прямоугольник 12">
               <a:extLst>
                 <a:ext uri="{FF2B5EF4-FFF2-40B4-BE49-F238E27FC236}">
-                  <a16:creationId xmlns:a16="http://schemas.microsoft.com/office/drawing/2014/main" id="{C5B3F426-C6AB-4971-BF1E-5C15D602CEAF}"/>
+                  <a16:creationId xmlns="" xmlns:a16="http://schemas.microsoft.com/office/drawing/2014/main" id="{C5B3F426-C6AB-4971-BF1E-5C15D602CEAF}"/>
                 </a:ext>
               </a:extLst>
             </p:cNvPr>
@@ -12517,7 +12517,7 @@
             <p:cNvPr id="14" name="Прямоугольник 13">
               <a:extLst>
                 <a:ext uri="{FF2B5EF4-FFF2-40B4-BE49-F238E27FC236}">
-                  <a16:creationId xmlns:a16="http://schemas.microsoft.com/office/drawing/2014/main" id="{788BA2BB-E730-49B7-B223-CD016A833589}"/>
+                  <a16:creationId xmlns="" xmlns:a16="http://schemas.microsoft.com/office/drawing/2014/main" id="{788BA2BB-E730-49B7-B223-CD016A833589}"/>
                 </a:ext>
               </a:extLst>
             </p:cNvPr>
@@ -12591,7 +12591,7 @@
             <p:cNvPr id="15" name="Прямоугольник 14">
               <a:extLst>
                 <a:ext uri="{FF2B5EF4-FFF2-40B4-BE49-F238E27FC236}">
-                  <a16:creationId xmlns:a16="http://schemas.microsoft.com/office/drawing/2014/main" id="{DEA34540-3D1B-4769-87F8-D7BAF86AFCFD}"/>
+                  <a16:creationId xmlns="" xmlns:a16="http://schemas.microsoft.com/office/drawing/2014/main" id="{DEA34540-3D1B-4769-87F8-D7BAF86AFCFD}"/>
                 </a:ext>
               </a:extLst>
             </p:cNvPr>
@@ -12647,7 +12647,7 @@
             <p:cNvPr id="16" name="Прямоугольник 15">
               <a:extLst>
                 <a:ext uri="{FF2B5EF4-FFF2-40B4-BE49-F238E27FC236}">
-                  <a16:creationId xmlns:a16="http://schemas.microsoft.com/office/drawing/2014/main" id="{0838B8F9-9F53-4DFD-9116-851E7C4186D7}"/>
+                  <a16:creationId xmlns="" xmlns:a16="http://schemas.microsoft.com/office/drawing/2014/main" id="{0838B8F9-9F53-4DFD-9116-851E7C4186D7}"/>
                 </a:ext>
               </a:extLst>
             </p:cNvPr>
@@ -12697,7 +12697,7 @@
             <p:cNvPr id="17" name="Прямая со стрелкой 16">
               <a:extLst>
                 <a:ext uri="{FF2B5EF4-FFF2-40B4-BE49-F238E27FC236}">
-                  <a16:creationId xmlns:a16="http://schemas.microsoft.com/office/drawing/2014/main" id="{B2FBBC84-5192-478B-ACB3-054898E156D7}"/>
+                  <a16:creationId xmlns="" xmlns:a16="http://schemas.microsoft.com/office/drawing/2014/main" id="{B2FBBC84-5192-478B-ACB3-054898E156D7}"/>
                 </a:ext>
               </a:extLst>
             </p:cNvPr>
@@ -12739,7 +12739,7 @@
             <p:cNvPr id="18" name="Прямая со стрелкой 17">
               <a:extLst>
                 <a:ext uri="{FF2B5EF4-FFF2-40B4-BE49-F238E27FC236}">
-                  <a16:creationId xmlns:a16="http://schemas.microsoft.com/office/drawing/2014/main" id="{1CB0CB04-6EF5-4E77-95AE-96DC91993A4F}"/>
+                  <a16:creationId xmlns="" xmlns:a16="http://schemas.microsoft.com/office/drawing/2014/main" id="{1CB0CB04-6EF5-4E77-95AE-96DC91993A4F}"/>
                 </a:ext>
               </a:extLst>
             </p:cNvPr>
@@ -12782,7 +12782,7 @@
             <p:cNvPr id="19" name="Прямая со стрелкой 18">
               <a:extLst>
                 <a:ext uri="{FF2B5EF4-FFF2-40B4-BE49-F238E27FC236}">
-                  <a16:creationId xmlns:a16="http://schemas.microsoft.com/office/drawing/2014/main" id="{40304903-FCF3-47D8-A396-130F13CA35FD}"/>
+                  <a16:creationId xmlns="" xmlns:a16="http://schemas.microsoft.com/office/drawing/2014/main" id="{40304903-FCF3-47D8-A396-130F13CA35FD}"/>
                 </a:ext>
               </a:extLst>
             </p:cNvPr>
@@ -12825,7 +12825,7 @@
             <p:cNvPr id="20" name="Прямая со стрелкой 19">
               <a:extLst>
                 <a:ext uri="{FF2B5EF4-FFF2-40B4-BE49-F238E27FC236}">
-                  <a16:creationId xmlns:a16="http://schemas.microsoft.com/office/drawing/2014/main" id="{D23401FB-81D7-433E-BA93-03E4BFF1C090}"/>
+                  <a16:creationId xmlns="" xmlns:a16="http://schemas.microsoft.com/office/drawing/2014/main" id="{D23401FB-81D7-433E-BA93-03E4BFF1C090}"/>
                 </a:ext>
               </a:extLst>
             </p:cNvPr>
@@ -12869,7 +12869,7 @@
           <p:cNvPr id="10" name="Рисунок 9">
             <a:extLst>
               <a:ext uri="{FF2B5EF4-FFF2-40B4-BE49-F238E27FC236}">
-                <a16:creationId xmlns:a16="http://schemas.microsoft.com/office/drawing/2014/main" id="{194837E7-3F10-40CA-8B97-725CE6C93360}"/>
+                <a16:creationId xmlns="" xmlns:a16="http://schemas.microsoft.com/office/drawing/2014/main" id="{194837E7-3F10-40CA-8B97-725CE6C93360}"/>
               </a:ext>
             </a:extLst>
           </p:cNvPr>
@@ -12899,7 +12899,7 @@
           <p:cNvPr id="23" name="Прямая со стрелкой 22">
             <a:extLst>
               <a:ext uri="{FF2B5EF4-FFF2-40B4-BE49-F238E27FC236}">
-                <a16:creationId xmlns:a16="http://schemas.microsoft.com/office/drawing/2014/main" id="{E8633AB1-7B4D-49F6-8422-8FE02A73CFAF}"/>
+                <a16:creationId xmlns="" xmlns:a16="http://schemas.microsoft.com/office/drawing/2014/main" id="{E8633AB1-7B4D-49F6-8422-8FE02A73CFAF}"/>
               </a:ext>
             </a:extLst>
           </p:cNvPr>
@@ -13264,7 +13264,7 @@
           <p:cNvPr id="22" name="Rectangle 28" descr="Светлый диагональный 2">
             <a:extLst>
               <a:ext uri="{FF2B5EF4-FFF2-40B4-BE49-F238E27FC236}">
-                <a16:creationId xmlns:a16="http://schemas.microsoft.com/office/drawing/2014/main" id="{2A0E99F7-A4CC-4E8F-8C74-D6A03276576B}"/>
+                <a16:creationId xmlns="" xmlns:a16="http://schemas.microsoft.com/office/drawing/2014/main" id="{2A0E99F7-A4CC-4E8F-8C74-D6A03276576B}"/>
               </a:ext>
             </a:extLst>
           </p:cNvPr>
@@ -13354,7 +13354,7 @@
           <p:cNvPr id="23" name="TextBox 22">
             <a:extLst>
               <a:ext uri="{FF2B5EF4-FFF2-40B4-BE49-F238E27FC236}">
-                <a16:creationId xmlns:a16="http://schemas.microsoft.com/office/drawing/2014/main" id="{99DF0FE0-DB9D-4180-8370-CD26FB46DF57}"/>
+                <a16:creationId xmlns="" xmlns:a16="http://schemas.microsoft.com/office/drawing/2014/main" id="{99DF0FE0-DB9D-4180-8370-CD26FB46DF57}"/>
               </a:ext>
             </a:extLst>
           </p:cNvPr>
@@ -13894,7 +13894,7 @@
           <p:cNvPr id="3" name="Таблица 4">
             <a:extLst>
               <a:ext uri="{FF2B5EF4-FFF2-40B4-BE49-F238E27FC236}">
-                <a16:creationId xmlns:a16="http://schemas.microsoft.com/office/drawing/2014/main" id="{00F7F49F-4DBA-4F90-930B-168FBD2C3993}"/>
+                <a16:creationId xmlns="" xmlns:a16="http://schemas.microsoft.com/office/drawing/2014/main" id="{00F7F49F-4DBA-4F90-930B-168FBD2C3993}"/>
               </a:ext>
             </a:extLst>
           </p:cNvPr>
@@ -13923,28 +13923,28 @@
                 <a:gridCol w="2997200">
                   <a:extLst>
                     <a:ext uri="{9D8B030D-6E8A-4147-A177-3AD203B41FA5}">
-                      <a16:colId xmlns:a16="http://schemas.microsoft.com/office/drawing/2014/main" val="1499889481"/>
+                      <a16:colId xmlns="" xmlns:a16="http://schemas.microsoft.com/office/drawing/2014/main" val="1499889481"/>
                     </a:ext>
                   </a:extLst>
                 </a:gridCol>
                 <a:gridCol w="2997200">
                   <a:extLst>
                     <a:ext uri="{9D8B030D-6E8A-4147-A177-3AD203B41FA5}">
-                      <a16:colId xmlns:a16="http://schemas.microsoft.com/office/drawing/2014/main" val="4096455142"/>
+                      <a16:colId xmlns="" xmlns:a16="http://schemas.microsoft.com/office/drawing/2014/main" val="4096455142"/>
                     </a:ext>
                   </a:extLst>
                 </a:gridCol>
                 <a:gridCol w="2997200">
                   <a:extLst>
                     <a:ext uri="{9D8B030D-6E8A-4147-A177-3AD203B41FA5}">
-                      <a16:colId xmlns:a16="http://schemas.microsoft.com/office/drawing/2014/main" val="2769789513"/>
+                      <a16:colId xmlns="" xmlns:a16="http://schemas.microsoft.com/office/drawing/2014/main" val="2769789513"/>
                     </a:ext>
                   </a:extLst>
                 </a:gridCol>
                 <a:gridCol w="2997200">
                   <a:extLst>
                     <a:ext uri="{9D8B030D-6E8A-4147-A177-3AD203B41FA5}">
-                      <a16:colId xmlns:a16="http://schemas.microsoft.com/office/drawing/2014/main" val="2020725272"/>
+                      <a16:colId xmlns="" xmlns:a16="http://schemas.microsoft.com/office/drawing/2014/main" val="2020725272"/>
                     </a:ext>
                   </a:extLst>
                 </a:gridCol>
@@ -14221,7 +14221,7 @@
                 </a:tc>
                 <a:extLst>
                   <a:ext uri="{0D108BD9-81ED-4DB2-BD59-A6C34878D82A}">
-                    <a16:rowId xmlns:a16="http://schemas.microsoft.com/office/drawing/2014/main" val="668919319"/>
+                    <a16:rowId xmlns="" xmlns:a16="http://schemas.microsoft.com/office/drawing/2014/main" val="668919319"/>
                   </a:ext>
                 </a:extLst>
               </a:tr>
@@ -14476,7 +14476,7 @@
                 </a:tc>
                 <a:extLst>
                   <a:ext uri="{0D108BD9-81ED-4DB2-BD59-A6C34878D82A}">
-                    <a16:rowId xmlns:a16="http://schemas.microsoft.com/office/drawing/2014/main" val="2995061059"/>
+                    <a16:rowId xmlns="" xmlns:a16="http://schemas.microsoft.com/office/drawing/2014/main" val="2995061059"/>
                   </a:ext>
                 </a:extLst>
               </a:tr>
@@ -14731,7 +14731,7 @@
                 </a:tc>
                 <a:extLst>
                   <a:ext uri="{0D108BD9-81ED-4DB2-BD59-A6C34878D82A}">
-                    <a16:rowId xmlns:a16="http://schemas.microsoft.com/office/drawing/2014/main" val="3950375822"/>
+                    <a16:rowId xmlns="" xmlns:a16="http://schemas.microsoft.com/office/drawing/2014/main" val="3950375822"/>
                   </a:ext>
                 </a:extLst>
               </a:tr>
@@ -14986,7 +14986,7 @@
                 </a:tc>
                 <a:extLst>
                   <a:ext uri="{0D108BD9-81ED-4DB2-BD59-A6C34878D82A}">
-                    <a16:rowId xmlns:a16="http://schemas.microsoft.com/office/drawing/2014/main" val="1951172052"/>
+                    <a16:rowId xmlns="" xmlns:a16="http://schemas.microsoft.com/office/drawing/2014/main" val="1951172052"/>
                   </a:ext>
                 </a:extLst>
               </a:tr>
@@ -15241,7 +15241,7 @@
                 </a:tc>
                 <a:extLst>
                   <a:ext uri="{0D108BD9-81ED-4DB2-BD59-A6C34878D82A}">
-                    <a16:rowId xmlns:a16="http://schemas.microsoft.com/office/drawing/2014/main" val="1132460826"/>
+                    <a16:rowId xmlns="" xmlns:a16="http://schemas.microsoft.com/office/drawing/2014/main" val="1132460826"/>
                   </a:ext>
                 </a:extLst>
               </a:tr>
@@ -15496,7 +15496,7 @@
                 </a:tc>
                 <a:extLst>
                   <a:ext uri="{0D108BD9-81ED-4DB2-BD59-A6C34878D82A}">
-                    <a16:rowId xmlns:a16="http://schemas.microsoft.com/office/drawing/2014/main" val="1034578032"/>
+                    <a16:rowId xmlns="" xmlns:a16="http://schemas.microsoft.com/office/drawing/2014/main" val="1034578032"/>
                   </a:ext>
                 </a:extLst>
               </a:tr>
@@ -15751,7 +15751,7 @@
                 </a:tc>
                 <a:extLst>
                   <a:ext uri="{0D108BD9-81ED-4DB2-BD59-A6C34878D82A}">
-                    <a16:rowId xmlns:a16="http://schemas.microsoft.com/office/drawing/2014/main" val="909180103"/>
+                    <a16:rowId xmlns="" xmlns:a16="http://schemas.microsoft.com/office/drawing/2014/main" val="909180103"/>
                   </a:ext>
                 </a:extLst>
               </a:tr>
@@ -15787,112 +15787,112 @@
                 <a:gridCol w="324884">
                   <a:extLst>
                     <a:ext uri="{9D8B030D-6E8A-4147-A177-3AD203B41FA5}">
-                      <a16:colId xmlns:a16="http://schemas.microsoft.com/office/drawing/2014/main" val="20000"/>
+                      <a16:colId xmlns="" xmlns:a16="http://schemas.microsoft.com/office/drawing/2014/main" val="20000"/>
                     </a:ext>
                   </a:extLst>
                 </a:gridCol>
                 <a:gridCol w="324884">
                   <a:extLst>
                     <a:ext uri="{9D8B030D-6E8A-4147-A177-3AD203B41FA5}">
-                      <a16:colId xmlns:a16="http://schemas.microsoft.com/office/drawing/2014/main" val="20001"/>
+                      <a16:colId xmlns="" xmlns:a16="http://schemas.microsoft.com/office/drawing/2014/main" val="20001"/>
                     </a:ext>
                   </a:extLst>
                 </a:gridCol>
                 <a:gridCol w="324884">
                   <a:extLst>
                     <a:ext uri="{9D8B030D-6E8A-4147-A177-3AD203B41FA5}">
-                      <a16:colId xmlns:a16="http://schemas.microsoft.com/office/drawing/2014/main" val="20002"/>
+                      <a16:colId xmlns="" xmlns:a16="http://schemas.microsoft.com/office/drawing/2014/main" val="20002"/>
                     </a:ext>
                   </a:extLst>
                 </a:gridCol>
                 <a:gridCol w="324884">
                   <a:extLst>
                     <a:ext uri="{9D8B030D-6E8A-4147-A177-3AD203B41FA5}">
-                      <a16:colId xmlns:a16="http://schemas.microsoft.com/office/drawing/2014/main" val="20003"/>
+                      <a16:colId xmlns="" xmlns:a16="http://schemas.microsoft.com/office/drawing/2014/main" val="20003"/>
                     </a:ext>
                   </a:extLst>
                 </a:gridCol>
                 <a:gridCol w="324884">
                   <a:extLst>
                     <a:ext uri="{9D8B030D-6E8A-4147-A177-3AD203B41FA5}">
-                      <a16:colId xmlns:a16="http://schemas.microsoft.com/office/drawing/2014/main" val="20004"/>
+                      <a16:colId xmlns="" xmlns:a16="http://schemas.microsoft.com/office/drawing/2014/main" val="20004"/>
                     </a:ext>
                   </a:extLst>
                 </a:gridCol>
                 <a:gridCol w="324884">
                   <a:extLst>
                     <a:ext uri="{9D8B030D-6E8A-4147-A177-3AD203B41FA5}">
-                      <a16:colId xmlns:a16="http://schemas.microsoft.com/office/drawing/2014/main" val="20005"/>
+                      <a16:colId xmlns="" xmlns:a16="http://schemas.microsoft.com/office/drawing/2014/main" val="20005"/>
                     </a:ext>
                   </a:extLst>
                 </a:gridCol>
                 <a:gridCol w="324884">
                   <a:extLst>
                     <a:ext uri="{9D8B030D-6E8A-4147-A177-3AD203B41FA5}">
-                      <a16:colId xmlns:a16="http://schemas.microsoft.com/office/drawing/2014/main" val="20006"/>
+                      <a16:colId xmlns="" xmlns:a16="http://schemas.microsoft.com/office/drawing/2014/main" val="20006"/>
                     </a:ext>
                   </a:extLst>
                 </a:gridCol>
                 <a:gridCol w="324884">
                   <a:extLst>
                     <a:ext uri="{9D8B030D-6E8A-4147-A177-3AD203B41FA5}">
-                      <a16:colId xmlns:a16="http://schemas.microsoft.com/office/drawing/2014/main" val="20007"/>
+                      <a16:colId xmlns="" xmlns:a16="http://schemas.microsoft.com/office/drawing/2014/main" val="20007"/>
                     </a:ext>
                   </a:extLst>
                 </a:gridCol>
                 <a:gridCol w="324884">
                   <a:extLst>
                     <a:ext uri="{9D8B030D-6E8A-4147-A177-3AD203B41FA5}">
-                      <a16:colId xmlns:a16="http://schemas.microsoft.com/office/drawing/2014/main" val="20008"/>
+                      <a16:colId xmlns="" xmlns:a16="http://schemas.microsoft.com/office/drawing/2014/main" val="20008"/>
                     </a:ext>
                   </a:extLst>
                 </a:gridCol>
                 <a:gridCol w="324884">
                   <a:extLst>
                     <a:ext uri="{9D8B030D-6E8A-4147-A177-3AD203B41FA5}">
-                      <a16:colId xmlns:a16="http://schemas.microsoft.com/office/drawing/2014/main" val="20009"/>
+                      <a16:colId xmlns="" xmlns:a16="http://schemas.microsoft.com/office/drawing/2014/main" val="20009"/>
                     </a:ext>
                   </a:extLst>
                 </a:gridCol>
                 <a:gridCol w="324884">
                   <a:extLst>
                     <a:ext uri="{9D8B030D-6E8A-4147-A177-3AD203B41FA5}">
-                      <a16:colId xmlns:a16="http://schemas.microsoft.com/office/drawing/2014/main" val="20010"/>
+                      <a16:colId xmlns="" xmlns:a16="http://schemas.microsoft.com/office/drawing/2014/main" val="20010"/>
                     </a:ext>
                   </a:extLst>
                 </a:gridCol>
                 <a:gridCol w="324884">
                   <a:extLst>
                     <a:ext uri="{9D8B030D-6E8A-4147-A177-3AD203B41FA5}">
-                      <a16:colId xmlns:a16="http://schemas.microsoft.com/office/drawing/2014/main" val="20011"/>
+                      <a16:colId xmlns="" xmlns:a16="http://schemas.microsoft.com/office/drawing/2014/main" val="20011"/>
                     </a:ext>
                   </a:extLst>
                 </a:gridCol>
                 <a:gridCol w="324884">
                   <a:extLst>
                     <a:ext uri="{9D8B030D-6E8A-4147-A177-3AD203B41FA5}">
-                      <a16:colId xmlns:a16="http://schemas.microsoft.com/office/drawing/2014/main" val="20012"/>
+                      <a16:colId xmlns="" xmlns:a16="http://schemas.microsoft.com/office/drawing/2014/main" val="20012"/>
                     </a:ext>
                   </a:extLst>
                 </a:gridCol>
                 <a:gridCol w="324884">
                   <a:extLst>
                     <a:ext uri="{9D8B030D-6E8A-4147-A177-3AD203B41FA5}">
-                      <a16:colId xmlns:a16="http://schemas.microsoft.com/office/drawing/2014/main" val="20013"/>
+                      <a16:colId xmlns="" xmlns:a16="http://schemas.microsoft.com/office/drawing/2014/main" val="20013"/>
                     </a:ext>
                   </a:extLst>
                 </a:gridCol>
                 <a:gridCol w="324884">
                   <a:extLst>
                     <a:ext uri="{9D8B030D-6E8A-4147-A177-3AD203B41FA5}">
-                      <a16:colId xmlns:a16="http://schemas.microsoft.com/office/drawing/2014/main" val="20014"/>
+                      <a16:colId xmlns="" xmlns:a16="http://schemas.microsoft.com/office/drawing/2014/main" val="20014"/>
                     </a:ext>
                   </a:extLst>
                 </a:gridCol>
                 <a:gridCol w="324884">
                   <a:extLst>
                     <a:ext uri="{9D8B030D-6E8A-4147-A177-3AD203B41FA5}">
-                      <a16:colId xmlns:a16="http://schemas.microsoft.com/office/drawing/2014/main" val="20015"/>
+                      <a16:colId xmlns="" xmlns:a16="http://schemas.microsoft.com/office/drawing/2014/main" val="20015"/>
                     </a:ext>
                   </a:extLst>
                 </a:gridCol>
@@ -17068,7 +17068,7 @@
                 </a:tc>
                 <a:extLst>
                   <a:ext uri="{0D108BD9-81ED-4DB2-BD59-A6C34878D82A}">
-                    <a16:rowId xmlns:a16="http://schemas.microsoft.com/office/drawing/2014/main" val="10000"/>
+                    <a16:rowId xmlns="" xmlns:a16="http://schemas.microsoft.com/office/drawing/2014/main" val="10000"/>
                   </a:ext>
                 </a:extLst>
               </a:tr>
@@ -17081,7 +17081,7 @@
           <p:cNvPr id="7" name="TextBox 6">
             <a:extLst>
               <a:ext uri="{FF2B5EF4-FFF2-40B4-BE49-F238E27FC236}">
-                <a16:creationId xmlns:a16="http://schemas.microsoft.com/office/drawing/2014/main" id="{99DF0FE0-DB9D-4180-8370-CD26FB46DF57}"/>
+                <a16:creationId xmlns="" xmlns:a16="http://schemas.microsoft.com/office/drawing/2014/main" id="{99DF0FE0-DB9D-4180-8370-CD26FB46DF57}"/>
               </a:ext>
             </a:extLst>
           </p:cNvPr>
@@ -17178,7 +17178,7 @@
           <p:cNvPr id="8" name="TextBox 7">
             <a:extLst>
               <a:ext uri="{FF2B5EF4-FFF2-40B4-BE49-F238E27FC236}">
-                <a16:creationId xmlns:a16="http://schemas.microsoft.com/office/drawing/2014/main" id="{99DF0FE0-DB9D-4180-8370-CD26FB46DF57}"/>
+                <a16:creationId xmlns="" xmlns:a16="http://schemas.microsoft.com/office/drawing/2014/main" id="{99DF0FE0-DB9D-4180-8370-CD26FB46DF57}"/>
               </a:ext>
             </a:extLst>
           </p:cNvPr>
@@ -17230,7 +17230,7 @@
           <p:cNvPr id="9" name="TextBox 8">
             <a:extLst>
               <a:ext uri="{FF2B5EF4-FFF2-40B4-BE49-F238E27FC236}">
-                <a16:creationId xmlns:a16="http://schemas.microsoft.com/office/drawing/2014/main" id="{99DF0FE0-DB9D-4180-8370-CD26FB46DF57}"/>
+                <a16:creationId xmlns="" xmlns:a16="http://schemas.microsoft.com/office/drawing/2014/main" id="{99DF0FE0-DB9D-4180-8370-CD26FB46DF57}"/>
               </a:ext>
             </a:extLst>
           </p:cNvPr>
@@ -17425,7 +17425,7 @@
           <p:cNvPr id="3" name="Таблица 4">
             <a:extLst>
               <a:ext uri="{FF2B5EF4-FFF2-40B4-BE49-F238E27FC236}">
-                <a16:creationId xmlns:a16="http://schemas.microsoft.com/office/drawing/2014/main" id="{00F7F49F-4DBA-4F90-930B-168FBD2C3993}"/>
+                <a16:creationId xmlns="" xmlns:a16="http://schemas.microsoft.com/office/drawing/2014/main" id="{00F7F49F-4DBA-4F90-930B-168FBD2C3993}"/>
               </a:ext>
             </a:extLst>
           </p:cNvPr>
@@ -17454,28 +17454,28 @@
                 <a:gridCol w="2997200">
                   <a:extLst>
                     <a:ext uri="{9D8B030D-6E8A-4147-A177-3AD203B41FA5}">
-                      <a16:colId xmlns:a16="http://schemas.microsoft.com/office/drawing/2014/main" val="1499889481"/>
+                      <a16:colId xmlns="" xmlns:a16="http://schemas.microsoft.com/office/drawing/2014/main" val="1499889481"/>
                     </a:ext>
                   </a:extLst>
                 </a:gridCol>
                 <a:gridCol w="2997200">
                   <a:extLst>
                     <a:ext uri="{9D8B030D-6E8A-4147-A177-3AD203B41FA5}">
-                      <a16:colId xmlns:a16="http://schemas.microsoft.com/office/drawing/2014/main" val="4096455142"/>
+                      <a16:colId xmlns="" xmlns:a16="http://schemas.microsoft.com/office/drawing/2014/main" val="4096455142"/>
                     </a:ext>
                   </a:extLst>
                 </a:gridCol>
                 <a:gridCol w="2997200">
                   <a:extLst>
                     <a:ext uri="{9D8B030D-6E8A-4147-A177-3AD203B41FA5}">
-                      <a16:colId xmlns:a16="http://schemas.microsoft.com/office/drawing/2014/main" val="2769789513"/>
+                      <a16:colId xmlns="" xmlns:a16="http://schemas.microsoft.com/office/drawing/2014/main" val="2769789513"/>
                     </a:ext>
                   </a:extLst>
                 </a:gridCol>
                 <a:gridCol w="2997200">
                   <a:extLst>
                     <a:ext uri="{9D8B030D-6E8A-4147-A177-3AD203B41FA5}">
-                      <a16:colId xmlns:a16="http://schemas.microsoft.com/office/drawing/2014/main" val="2020725272"/>
+                      <a16:colId xmlns="" xmlns:a16="http://schemas.microsoft.com/office/drawing/2014/main" val="2020725272"/>
                     </a:ext>
                   </a:extLst>
                 </a:gridCol>
@@ -17752,7 +17752,7 @@
                 </a:tc>
                 <a:extLst>
                   <a:ext uri="{0D108BD9-81ED-4DB2-BD59-A6C34878D82A}">
-                    <a16:rowId xmlns:a16="http://schemas.microsoft.com/office/drawing/2014/main" val="668919319"/>
+                    <a16:rowId xmlns="" xmlns:a16="http://schemas.microsoft.com/office/drawing/2014/main" val="668919319"/>
                   </a:ext>
                 </a:extLst>
               </a:tr>
@@ -18026,7 +18026,7 @@
                 </a:tc>
                 <a:extLst>
                   <a:ext uri="{0D108BD9-81ED-4DB2-BD59-A6C34878D82A}">
-                    <a16:rowId xmlns:a16="http://schemas.microsoft.com/office/drawing/2014/main" val="219473974"/>
+                    <a16:rowId xmlns="" xmlns:a16="http://schemas.microsoft.com/office/drawing/2014/main" val="219473974"/>
                   </a:ext>
                 </a:extLst>
               </a:tr>
@@ -18291,7 +18291,7 @@
                 </a:tc>
                 <a:extLst>
                   <a:ext uri="{0D108BD9-81ED-4DB2-BD59-A6C34878D82A}">
-                    <a16:rowId xmlns:a16="http://schemas.microsoft.com/office/drawing/2014/main" val="2272743731"/>
+                    <a16:rowId xmlns="" xmlns:a16="http://schemas.microsoft.com/office/drawing/2014/main" val="2272743731"/>
                   </a:ext>
                 </a:extLst>
               </a:tr>
@@ -18546,7 +18546,7 @@
                 </a:tc>
                 <a:extLst>
                   <a:ext uri="{0D108BD9-81ED-4DB2-BD59-A6C34878D82A}">
-                    <a16:rowId xmlns:a16="http://schemas.microsoft.com/office/drawing/2014/main" val="10003"/>
+                    <a16:rowId xmlns="" xmlns:a16="http://schemas.microsoft.com/office/drawing/2014/main" val="10003"/>
                   </a:ext>
                 </a:extLst>
               </a:tr>
@@ -18844,7 +18844,7 @@
                 </a:tc>
                 <a:extLst>
                   <a:ext uri="{0D108BD9-81ED-4DB2-BD59-A6C34878D82A}">
-                    <a16:rowId xmlns:a16="http://schemas.microsoft.com/office/drawing/2014/main" val="10004"/>
+                    <a16:rowId xmlns="" xmlns:a16="http://schemas.microsoft.com/office/drawing/2014/main" val="10004"/>
                   </a:ext>
                 </a:extLst>
               </a:tr>
@@ -19117,7 +19117,7 @@
                 </a:tc>
                 <a:extLst>
                   <a:ext uri="{0D108BD9-81ED-4DB2-BD59-A6C34878D82A}">
-                    <a16:rowId xmlns:a16="http://schemas.microsoft.com/office/drawing/2014/main" val="10005"/>
+                    <a16:rowId xmlns="" xmlns:a16="http://schemas.microsoft.com/office/drawing/2014/main" val="10005"/>
                   </a:ext>
                 </a:extLst>
               </a:tr>
@@ -19238,7 +19238,7 @@
           <p:cNvPr id="24" name="Таблица 4">
             <a:extLst>
               <a:ext uri="{FF2B5EF4-FFF2-40B4-BE49-F238E27FC236}">
-                <a16:creationId xmlns:a16="http://schemas.microsoft.com/office/drawing/2014/main" id="{A3860CC5-D0BA-4339-B5F2-10E3B3026E4F}"/>
+                <a16:creationId xmlns="" xmlns:a16="http://schemas.microsoft.com/office/drawing/2014/main" id="{A3860CC5-D0BA-4339-B5F2-10E3B3026E4F}"/>
               </a:ext>
             </a:extLst>
           </p:cNvPr>
@@ -19267,28 +19267,28 @@
                 <a:gridCol w="2997200">
                   <a:extLst>
                     <a:ext uri="{9D8B030D-6E8A-4147-A177-3AD203B41FA5}">
-                      <a16:colId xmlns:a16="http://schemas.microsoft.com/office/drawing/2014/main" val="1499889481"/>
+                      <a16:colId xmlns="" xmlns:a16="http://schemas.microsoft.com/office/drawing/2014/main" val="1499889481"/>
                     </a:ext>
                   </a:extLst>
                 </a:gridCol>
                 <a:gridCol w="2997200">
                   <a:extLst>
                     <a:ext uri="{9D8B030D-6E8A-4147-A177-3AD203B41FA5}">
-                      <a16:colId xmlns:a16="http://schemas.microsoft.com/office/drawing/2014/main" val="4096455142"/>
+                      <a16:colId xmlns="" xmlns:a16="http://schemas.microsoft.com/office/drawing/2014/main" val="4096455142"/>
                     </a:ext>
                   </a:extLst>
                 </a:gridCol>
                 <a:gridCol w="2590800">
                   <a:extLst>
                     <a:ext uri="{9D8B030D-6E8A-4147-A177-3AD203B41FA5}">
-                      <a16:colId xmlns:a16="http://schemas.microsoft.com/office/drawing/2014/main" val="2769789513"/>
+                      <a16:colId xmlns="" xmlns:a16="http://schemas.microsoft.com/office/drawing/2014/main" val="2769789513"/>
                     </a:ext>
                   </a:extLst>
                 </a:gridCol>
                 <a:gridCol w="3403600">
                   <a:extLst>
                     <a:ext uri="{9D8B030D-6E8A-4147-A177-3AD203B41FA5}">
-                      <a16:colId xmlns:a16="http://schemas.microsoft.com/office/drawing/2014/main" val="2020725272"/>
+                      <a16:colId xmlns="" xmlns:a16="http://schemas.microsoft.com/office/drawing/2014/main" val="2020725272"/>
                     </a:ext>
                   </a:extLst>
                 </a:gridCol>
@@ -19565,7 +19565,7 @@
                 </a:tc>
                 <a:extLst>
                   <a:ext uri="{0D108BD9-81ED-4DB2-BD59-A6C34878D82A}">
-                    <a16:rowId xmlns:a16="http://schemas.microsoft.com/office/drawing/2014/main" val="668919319"/>
+                    <a16:rowId xmlns="" xmlns:a16="http://schemas.microsoft.com/office/drawing/2014/main" val="668919319"/>
                   </a:ext>
                 </a:extLst>
               </a:tr>
@@ -19857,7 +19857,7 @@
                 </a:tc>
                 <a:extLst>
                   <a:ext uri="{0D108BD9-81ED-4DB2-BD59-A6C34878D82A}">
-                    <a16:rowId xmlns:a16="http://schemas.microsoft.com/office/drawing/2014/main" val="3494377323"/>
+                    <a16:rowId xmlns="" xmlns:a16="http://schemas.microsoft.com/office/drawing/2014/main" val="3494377323"/>
                   </a:ext>
                 </a:extLst>
               </a:tr>
@@ -20259,7 +20259,7 @@
                 </a:tc>
                 <a:extLst>
                   <a:ext uri="{0D108BD9-81ED-4DB2-BD59-A6C34878D82A}">
-                    <a16:rowId xmlns:a16="http://schemas.microsoft.com/office/drawing/2014/main" val="3837204769"/>
+                    <a16:rowId xmlns="" xmlns:a16="http://schemas.microsoft.com/office/drawing/2014/main" val="3837204769"/>
                   </a:ext>
                 </a:extLst>
               </a:tr>
@@ -20551,7 +20551,7 @@
                 </a:tc>
                 <a:extLst>
                   <a:ext uri="{0D108BD9-81ED-4DB2-BD59-A6C34878D82A}">
-                    <a16:rowId xmlns:a16="http://schemas.microsoft.com/office/drawing/2014/main" val="2993451219"/>
+                    <a16:rowId xmlns="" xmlns:a16="http://schemas.microsoft.com/office/drawing/2014/main" val="2993451219"/>
                   </a:ext>
                 </a:extLst>
               </a:tr>
@@ -20564,7 +20564,7 @@
           <p:cNvPr id="4" name="TextBox 3">
             <a:extLst>
               <a:ext uri="{FF2B5EF4-FFF2-40B4-BE49-F238E27FC236}">
-                <a16:creationId xmlns:a16="http://schemas.microsoft.com/office/drawing/2014/main" id="{99DF0FE0-DB9D-4180-8370-CD26FB46DF57}"/>
+                <a16:creationId xmlns="" xmlns:a16="http://schemas.microsoft.com/office/drawing/2014/main" id="{99DF0FE0-DB9D-4180-8370-CD26FB46DF57}"/>
               </a:ext>
             </a:extLst>
           </p:cNvPr>
@@ -20808,7 +20808,7 @@
           <p:cNvPr id="25" name="TextBox 24">
             <a:extLst>
               <a:ext uri="{FF2B5EF4-FFF2-40B4-BE49-F238E27FC236}">
-                <a16:creationId xmlns:a16="http://schemas.microsoft.com/office/drawing/2014/main" id="{A3B76C38-5C63-40EA-9C87-3E38ECF3DF17}"/>
+                <a16:creationId xmlns="" xmlns:a16="http://schemas.microsoft.com/office/drawing/2014/main" id="{A3B76C38-5C63-40EA-9C87-3E38ECF3DF17}"/>
               </a:ext>
             </a:extLst>
           </p:cNvPr>
@@ -21252,7 +21252,7 @@
           <p:cNvPr id="26" name="TextBox 25">
             <a:extLst>
               <a:ext uri="{FF2B5EF4-FFF2-40B4-BE49-F238E27FC236}">
-                <a16:creationId xmlns:a16="http://schemas.microsoft.com/office/drawing/2014/main" id="{96DDB9E9-690B-4F81-8DB3-0E70A89F8AF3}"/>
+                <a16:creationId xmlns="" xmlns:a16="http://schemas.microsoft.com/office/drawing/2014/main" id="{96DDB9E9-690B-4F81-8DB3-0E70A89F8AF3}"/>
               </a:ext>
             </a:extLst>
           </p:cNvPr>
@@ -21284,7 +21284,7 @@
           <p:cNvPr id="28" name="TextBox 27">
             <a:extLst>
               <a:ext uri="{FF2B5EF4-FFF2-40B4-BE49-F238E27FC236}">
-                <a16:creationId xmlns:a16="http://schemas.microsoft.com/office/drawing/2014/main" id="{34B83228-3D0E-4B0C-B39D-C6EE2927F41B}"/>
+                <a16:creationId xmlns="" xmlns:a16="http://schemas.microsoft.com/office/drawing/2014/main" id="{34B83228-3D0E-4B0C-B39D-C6EE2927F41B}"/>
               </a:ext>
             </a:extLst>
           </p:cNvPr>
@@ -21424,7 +21424,7 @@
           <p:cNvPr id="25" name="TextBox 24">
             <a:extLst>
               <a:ext uri="{FF2B5EF4-FFF2-40B4-BE49-F238E27FC236}">
-                <a16:creationId xmlns:a16="http://schemas.microsoft.com/office/drawing/2014/main" id="{A3B76C38-5C63-40EA-9C87-3E38ECF3DF17}"/>
+                <a16:creationId xmlns="" xmlns:a16="http://schemas.microsoft.com/office/drawing/2014/main" id="{A3B76C38-5C63-40EA-9C87-3E38ECF3DF17}"/>
               </a:ext>
             </a:extLst>
           </p:cNvPr>
@@ -21698,7 +21698,7 @@
           <p:cNvPr id="9" name="Rectangle 28" descr="Светлый диагональный 2">
             <a:extLst>
               <a:ext uri="{FF2B5EF4-FFF2-40B4-BE49-F238E27FC236}">
-                <a16:creationId xmlns:a16="http://schemas.microsoft.com/office/drawing/2014/main" id="{2A0E99F7-A4CC-4E8F-8C74-D6A03276576B}"/>
+                <a16:creationId xmlns="" xmlns:a16="http://schemas.microsoft.com/office/drawing/2014/main" id="{2A0E99F7-A4CC-4E8F-8C74-D6A03276576B}"/>
               </a:ext>
             </a:extLst>
           </p:cNvPr>
@@ -21884,7 +21884,7 @@
           <p:cNvPr id="22" name="TextBox 21">
             <a:extLst>
               <a:ext uri="{FF2B5EF4-FFF2-40B4-BE49-F238E27FC236}">
-                <a16:creationId xmlns:a16="http://schemas.microsoft.com/office/drawing/2014/main" id="{F2A3175E-BC98-4B41-A655-E89BECF9C02C}"/>
+                <a16:creationId xmlns="" xmlns:a16="http://schemas.microsoft.com/office/drawing/2014/main" id="{F2A3175E-BC98-4B41-A655-E89BECF9C02C}"/>
               </a:ext>
             </a:extLst>
           </p:cNvPr>
@@ -22387,7 +22387,7 @@
           <p:cNvPr id="11" name="TextBox 10">
             <a:extLst>
               <a:ext uri="{FF2B5EF4-FFF2-40B4-BE49-F238E27FC236}">
-                <a16:creationId xmlns:a16="http://schemas.microsoft.com/office/drawing/2014/main" id="{1A1BC203-5AC5-4C53-9FE4-960FB9928A0D}"/>
+                <a16:creationId xmlns="" xmlns:a16="http://schemas.microsoft.com/office/drawing/2014/main" id="{1A1BC203-5AC5-4C53-9FE4-960FB9928A0D}"/>
               </a:ext>
             </a:extLst>
           </p:cNvPr>
@@ -22986,7 +22986,7 @@
           <p:cNvPr id="11" name="TextBox 10">
             <a:extLst>
               <a:ext uri="{FF2B5EF4-FFF2-40B4-BE49-F238E27FC236}">
-                <a16:creationId xmlns:a16="http://schemas.microsoft.com/office/drawing/2014/main" id="{1A1BC203-5AC5-4C53-9FE4-960FB9928A0D}"/>
+                <a16:creationId xmlns="" xmlns:a16="http://schemas.microsoft.com/office/drawing/2014/main" id="{1A1BC203-5AC5-4C53-9FE4-960FB9928A0D}"/>
               </a:ext>
             </a:extLst>
           </p:cNvPr>
@@ -23686,7 +23686,7 @@
           <p:cNvPr id="22" name="TextBox 21">
             <a:extLst>
               <a:ext uri="{FF2B5EF4-FFF2-40B4-BE49-F238E27FC236}">
-                <a16:creationId xmlns:a16="http://schemas.microsoft.com/office/drawing/2014/main" id="{F2A3175E-BC98-4B41-A655-E89BECF9C02C}"/>
+                <a16:creationId xmlns="" xmlns:a16="http://schemas.microsoft.com/office/drawing/2014/main" id="{F2A3175E-BC98-4B41-A655-E89BECF9C02C}"/>
               </a:ext>
             </a:extLst>
           </p:cNvPr>
@@ -24475,7 +24475,7 @@
           <p:cNvPr id="17" name="TextBox 16">
             <a:extLst>
               <a:ext uri="{FF2B5EF4-FFF2-40B4-BE49-F238E27FC236}">
-                <a16:creationId xmlns:a16="http://schemas.microsoft.com/office/drawing/2014/main" id="{F2A3175E-BC98-4B41-A655-E89BECF9C02C}"/>
+                <a16:creationId xmlns="" xmlns:a16="http://schemas.microsoft.com/office/drawing/2014/main" id="{F2A3175E-BC98-4B41-A655-E89BECF9C02C}"/>
               </a:ext>
             </a:extLst>
           </p:cNvPr>
@@ -24892,7 +24892,7 @@
           <p:cNvPr id="25" name="TextBox 24">
             <a:extLst>
               <a:ext uri="{FF2B5EF4-FFF2-40B4-BE49-F238E27FC236}">
-                <a16:creationId xmlns:a16="http://schemas.microsoft.com/office/drawing/2014/main" id="{A3B76C38-5C63-40EA-9C87-3E38ECF3DF17}"/>
+                <a16:creationId xmlns="" xmlns:a16="http://schemas.microsoft.com/office/drawing/2014/main" id="{A3B76C38-5C63-40EA-9C87-3E38ECF3DF17}"/>
               </a:ext>
             </a:extLst>
           </p:cNvPr>
@@ -24901,8 +24901,8 @@
         </p:nvSpPr>
         <p:spPr>
           <a:xfrm>
-            <a:off x="269527" y="654356"/>
-            <a:ext cx="11652946" cy="6186309"/>
+            <a:off x="0" y="654356"/>
+            <a:ext cx="12191999" cy="6186309"/>
           </a:xfrm>
           <a:prstGeom prst="rect">
             <a:avLst/>
@@ -24910,12 +24910,12 @@
           <a:noFill/>
         </p:spPr>
         <p:txBody>
-          <a:bodyPr wrap="square">
+          <a:bodyPr wrap="square" lIns="360000" rIns="360000">
             <a:spAutoFit/>
           </a:bodyPr>
           <a:lstStyle/>
           <a:p>
-            <a:pPr>
+            <a:pPr algn="just">
               <a:lnSpc>
                 <a:spcPct val="110000"/>
               </a:lnSpc>
@@ -24928,7 +24928,7 @@
             </a:r>
           </a:p>
           <a:p>
-            <a:pPr>
+            <a:pPr algn="just">
               <a:lnSpc>
                 <a:spcPct val="110000"/>
               </a:lnSpc>
@@ -24986,7 +24986,7 @@
             </a:endParaRPr>
           </a:p>
           <a:p>
-            <a:pPr>
+            <a:pPr algn="just">
               <a:lnSpc>
                 <a:spcPct val="110000"/>
               </a:lnSpc>
@@ -24999,7 +24999,7 @@
             </a:endParaRPr>
           </a:p>
           <a:p>
-            <a:pPr>
+            <a:pPr algn="just">
               <a:lnSpc>
                 <a:spcPct val="110000"/>
               </a:lnSpc>
@@ -25033,7 +25033,7 @@
             </a:endParaRPr>
           </a:p>
           <a:p>
-            <a:pPr>
+            <a:pPr algn="just">
               <a:lnSpc>
                 <a:spcPct val="110000"/>
               </a:lnSpc>
@@ -25109,7 +25109,7 @@
             </a:endParaRPr>
           </a:p>
           <a:p>
-            <a:pPr>
+            <a:pPr algn="just">
               <a:lnSpc>
                 <a:spcPct val="110000"/>
               </a:lnSpc>
@@ -25119,7 +25119,7 @@
             </a:endParaRPr>
           </a:p>
           <a:p>
-            <a:pPr>
+            <a:pPr algn="just">
               <a:lnSpc>
                 <a:spcPct val="110000"/>
               </a:lnSpc>
@@ -25132,7 +25132,7 @@
             </a:r>
           </a:p>
           <a:p>
-            <a:pPr>
+            <a:pPr algn="just">
               <a:lnSpc>
                 <a:spcPct val="110000"/>
               </a:lnSpc>
@@ -25196,7 +25196,7 @@
             </a:r>
           </a:p>
           <a:p>
-            <a:pPr>
+            <a:pPr algn="just">
               <a:lnSpc>
                 <a:spcPct val="110000"/>
               </a:lnSpc>
@@ -25227,7 +25227,7 @@
             </a:endParaRPr>
           </a:p>
           <a:p>
-            <a:pPr>
+            <a:pPr algn="just">
               <a:lnSpc>
                 <a:spcPct val="110000"/>
               </a:lnSpc>
@@ -25237,7 +25237,7 @@
             </a:endParaRPr>
           </a:p>
           <a:p>
-            <a:pPr>
+            <a:pPr algn="just">
               <a:lnSpc>
                 <a:spcPct val="110000"/>
               </a:lnSpc>
@@ -25250,7 +25250,7 @@
             </a:r>
           </a:p>
           <a:p>
-            <a:pPr>
+            <a:pPr algn="just">
               <a:lnSpc>
                 <a:spcPct val="110000"/>
               </a:lnSpc>
@@ -25322,7 +25322,7 @@
             </a:r>
           </a:p>
           <a:p>
-            <a:pPr>
+            <a:pPr algn="just">
               <a:lnSpc>
                 <a:spcPct val="110000"/>
               </a:lnSpc>
@@ -25370,7 +25370,7 @@
           <p:cNvPr id="9" name="Rectangle 28" descr="Светлый диагональный 2">
             <a:extLst>
               <a:ext uri="{FF2B5EF4-FFF2-40B4-BE49-F238E27FC236}">
-                <a16:creationId xmlns:a16="http://schemas.microsoft.com/office/drawing/2014/main" id="{2A0E99F7-A4CC-4E8F-8C74-D6A03276576B}"/>
+                <a16:creationId xmlns="" xmlns:a16="http://schemas.microsoft.com/office/drawing/2014/main" id="{2A0E99F7-A4CC-4E8F-8C74-D6A03276576B}"/>
               </a:ext>
             </a:extLst>
           </p:cNvPr>
@@ -25546,7 +25546,7 @@
           <p:cNvPr id="25" name="TextBox 24">
             <a:extLst>
               <a:ext uri="{FF2B5EF4-FFF2-40B4-BE49-F238E27FC236}">
-                <a16:creationId xmlns:a16="http://schemas.microsoft.com/office/drawing/2014/main" id="{A3B76C38-5C63-40EA-9C87-3E38ECF3DF17}"/>
+                <a16:creationId xmlns="" xmlns:a16="http://schemas.microsoft.com/office/drawing/2014/main" id="{A3B76C38-5C63-40EA-9C87-3E38ECF3DF17}"/>
               </a:ext>
             </a:extLst>
           </p:cNvPr>
@@ -25555,8 +25555,8 @@
         </p:nvSpPr>
         <p:spPr>
           <a:xfrm>
-            <a:off x="307812" y="160033"/>
-            <a:ext cx="11884188" cy="6592574"/>
+            <a:off x="0" y="160033"/>
+            <a:ext cx="12192000" cy="6592574"/>
           </a:xfrm>
           <a:prstGeom prst="rect">
             <a:avLst/>
@@ -25564,7 +25564,7 @@
           <a:noFill/>
         </p:spPr>
         <p:txBody>
-          <a:bodyPr wrap="square">
+          <a:bodyPr wrap="square" lIns="360000" rIns="360000">
             <a:spAutoFit/>
           </a:bodyPr>
           <a:lstStyle/>
@@ -25991,18 +25991,24 @@
               </a:rPr>
               <a:t>();</a:t>
             </a:r>
-          </a:p>
-          <a:p>
-            <a:pPr>
-              <a:lnSpc>
-                <a:spcPct val="110000"/>
-              </a:lnSpc>
-            </a:pPr>
             <a:r>
               <a:rPr lang="ru-RU" sz="2400" dirty="0" smtClean="0">
-                <a:latin typeface="Bookman Old Style" panose="02050604050505020204" pitchFamily="18" charset="0"/>
-              </a:rPr>
-              <a:t>и т.д.</a:t>
+                <a:latin typeface="Cascadia Code" panose="020B0609020000020004" pitchFamily="49" charset="0"/>
+                <a:cs typeface="Cascadia Code" panose="020B0609020000020004" pitchFamily="49" charset="0"/>
+              </a:rPr>
+              <a:t> </a:t>
+            </a:r>
+            <a:r>
+              <a:rPr lang="ru-RU" sz="2400" dirty="0" smtClean="0">
+                <a:latin typeface="Bookman Old Style" panose="02050604050505020204" pitchFamily="18" charset="0"/>
+              </a:rPr>
+              <a:t>и </a:t>
+            </a:r>
+            <a:r>
+              <a:rPr lang="ru-RU" sz="2400" dirty="0" smtClean="0">
+                <a:latin typeface="Bookman Old Style" panose="02050604050505020204" pitchFamily="18" charset="0"/>
+              </a:rPr>
+              <a:t>т.д.</a:t>
             </a:r>
             <a:endParaRPr lang="ru-RU" sz="2400" dirty="0">
               <a:latin typeface="Bookman Old Style" panose="02050604050505020204" pitchFamily="18" charset="0"/>
@@ -26060,7 +26066,7 @@
           <p:cNvPr id="13" name="Rectangle 28" descr="Светлый диагональный 2">
             <a:extLst>
               <a:ext uri="{FF2B5EF4-FFF2-40B4-BE49-F238E27FC236}">
-                <a16:creationId xmlns:a16="http://schemas.microsoft.com/office/drawing/2014/main" id="{D6502A20-AA0C-4850-8A10-B79FACCCD907}"/>
+                <a16:creationId xmlns="" xmlns:a16="http://schemas.microsoft.com/office/drawing/2014/main" id="{D6502A20-AA0C-4850-8A10-B79FACCCD907}"/>
               </a:ext>
             </a:extLst>
           </p:cNvPr>
@@ -26129,7 +26135,7 @@
           <p:cNvPr id="14" name="TextBox 13">
             <a:extLst>
               <a:ext uri="{FF2B5EF4-FFF2-40B4-BE49-F238E27FC236}">
-                <a16:creationId xmlns:a16="http://schemas.microsoft.com/office/drawing/2014/main" id="{6A1D36E1-C8C4-4E3C-9577-E86EAC399465}"/>
+                <a16:creationId xmlns="" xmlns:a16="http://schemas.microsoft.com/office/drawing/2014/main" id="{6A1D36E1-C8C4-4E3C-9577-E86EAC399465}"/>
               </a:ext>
             </a:extLst>
           </p:cNvPr>
@@ -26138,8 +26144,8 @@
         </p:nvSpPr>
         <p:spPr>
           <a:xfrm>
-            <a:off x="384221" y="654356"/>
-            <a:ext cx="11423558" cy="6394058"/>
+            <a:off x="0" y="654356"/>
+            <a:ext cx="12192000" cy="6117059"/>
           </a:xfrm>
           <a:prstGeom prst="rect">
             <a:avLst/>
@@ -26147,11 +26153,12 @@
           <a:noFill/>
         </p:spPr>
         <p:txBody>
-          <a:bodyPr wrap="square">
+          <a:bodyPr wrap="square" lIns="360000" rIns="360000">
             <a:spAutoFit/>
           </a:bodyPr>
           <a:lstStyle/>
           <a:p>
+            <a:pPr algn="just"/>
             <a:r>
               <a:rPr lang="ru-RU" sz="2400" b="1" dirty="0">
                 <a:solidFill>
@@ -26172,6 +26179,7 @@
             </a:r>
           </a:p>
           <a:p>
+            <a:pPr algn="just"/>
             <a:r>
               <a:rPr lang="ru-RU" sz="2400" b="1" dirty="0">
                 <a:solidFill>
@@ -26192,6 +26200,7 @@
             </a:r>
           </a:p>
           <a:p>
+            <a:pPr algn="just"/>
             <a:r>
               <a:rPr lang="ru-RU" sz="2400" b="1" dirty="0">
                 <a:solidFill>
@@ -26218,6 +26227,7 @@
             </a:endParaRPr>
           </a:p>
           <a:p>
+            <a:pPr algn="just"/>
             <a:r>
               <a:rPr lang="ru-RU" sz="2400" dirty="0">
                 <a:solidFill>
@@ -26292,6 +26302,7 @@
             </a:r>
           </a:p>
           <a:p>
+            <a:pPr algn="just"/>
             <a:r>
               <a:rPr lang="ru-RU" sz="2400" dirty="0">
                 <a:solidFill>
@@ -26321,7 +26332,7 @@
             </a:r>
           </a:p>
           <a:p>
-            <a:pPr marL="12700">
+            <a:pPr marL="12700" algn="just">
               <a:lnSpc>
                 <a:spcPct val="100000"/>
               </a:lnSpc>
@@ -26401,7 +26412,7 @@
             </a:endParaRPr>
           </a:p>
           <a:p>
-            <a:pPr marL="425450" indent="-413384">
+            <a:pPr marL="425450" indent="-413384" algn="just">
               <a:lnSpc>
                 <a:spcPct val="100000"/>
               </a:lnSpc>
@@ -26490,7 +26501,7 @@
             </a:endParaRPr>
           </a:p>
           <a:p>
-            <a:pPr marL="425450" indent="-413384">
+            <a:pPr marL="425450" indent="-413384" algn="just">
               <a:lnSpc>
                 <a:spcPct val="100000"/>
               </a:lnSpc>
@@ -26562,7 +26573,7 @@
             </a:endParaRPr>
           </a:p>
           <a:p>
-            <a:pPr marL="355600" marR="235585" indent="-342900">
+            <a:pPr marL="355600" marR="235585" indent="-342900" algn="just">
               <a:lnSpc>
                 <a:spcPct val="100000"/>
               </a:lnSpc>
@@ -26654,7 +26665,7 @@
             </a:r>
           </a:p>
           <a:p>
-            <a:pPr marL="12700" marR="235585">
+            <a:pPr marL="12700" marR="235585" algn="just">
               <a:lnSpc>
                 <a:spcPct val="100000"/>
               </a:lnSpc>
@@ -26717,7 +26728,7 @@
             </a:r>
           </a:p>
           <a:p>
-            <a:pPr marL="12700" marR="235585">
+            <a:pPr marL="12700" marR="235585" algn="just">
               <a:lnSpc>
                 <a:spcPct val="100000"/>
               </a:lnSpc>
@@ -27056,19 +27067,18 @@
                 <a:latin typeface="Bookman Old Style" panose="02050604050505020204" pitchFamily="18" charset="0"/>
                 <a:cs typeface="Microsoft Sans Serif"/>
               </a:rPr>
-              <a:t>скобок.</a:t>
+              <a:t>скобок</a:t>
+            </a:r>
+            <a:r>
+              <a:rPr lang="ru-RU" sz="2400" spc="-35" dirty="0" smtClean="0">
+                <a:latin typeface="Bookman Old Style" panose="02050604050505020204" pitchFamily="18" charset="0"/>
+                <a:cs typeface="Microsoft Sans Serif"/>
+              </a:rPr>
+              <a:t>.</a:t>
             </a:r>
             <a:endParaRPr lang="ru-RU" sz="2400" dirty="0">
               <a:latin typeface="Bookman Old Style" panose="02050604050505020204" pitchFamily="18" charset="0"/>
               <a:cs typeface="Microsoft Sans Serif"/>
-            </a:endParaRPr>
-          </a:p>
-          <a:p>
-            <a:endParaRPr lang="ru-RU" sz="1800" dirty="0">
-              <a:solidFill>
-                <a:srgbClr val="000000"/>
-              </a:solidFill>
-              <a:latin typeface="Bookman Old Style" panose="02050604050505020204" pitchFamily="18" charset="0"/>
             </a:endParaRPr>
           </a:p>
         </p:txBody>
@@ -27123,7 +27133,7 @@
           <p:cNvPr id="5" name="object 2">
             <a:extLst>
               <a:ext uri="{FF2B5EF4-FFF2-40B4-BE49-F238E27FC236}">
-                <a16:creationId xmlns:a16="http://schemas.microsoft.com/office/drawing/2014/main" id="{48ADAE9E-36A3-4D4F-A2F9-8F85CC1E4FE2}"/>
+                <a16:creationId xmlns="" xmlns:a16="http://schemas.microsoft.com/office/drawing/2014/main" id="{48ADAE9E-36A3-4D4F-A2F9-8F85CC1E4FE2}"/>
               </a:ext>
             </a:extLst>
           </p:cNvPr>
@@ -27196,7 +27206,7 @@
           <p:cNvPr id="6" name="object 2">
             <a:extLst>
               <a:ext uri="{FF2B5EF4-FFF2-40B4-BE49-F238E27FC236}">
-                <a16:creationId xmlns:a16="http://schemas.microsoft.com/office/drawing/2014/main" id="{CEFEB437-C6AA-4BC0-A8D0-C4BF024B684E}"/>
+                <a16:creationId xmlns="" xmlns:a16="http://schemas.microsoft.com/office/drawing/2014/main" id="{CEFEB437-C6AA-4BC0-A8D0-C4BF024B684E}"/>
               </a:ext>
             </a:extLst>
           </p:cNvPr>
@@ -27223,7 +27233,7 @@
           <p:cNvPr id="8" name="TextBox 7">
             <a:extLst>
               <a:ext uri="{FF2B5EF4-FFF2-40B4-BE49-F238E27FC236}">
-                <a16:creationId xmlns:a16="http://schemas.microsoft.com/office/drawing/2014/main" id="{E745E338-A3CD-4EE9-9801-700400CA00F4}"/>
+                <a16:creationId xmlns="" xmlns:a16="http://schemas.microsoft.com/office/drawing/2014/main" id="{E745E338-A3CD-4EE9-9801-700400CA00F4}"/>
               </a:ext>
             </a:extLst>
           </p:cNvPr>
@@ -27524,7 +27534,7 @@
           <p:cNvPr id="6" name="object 2">
             <a:extLst>
               <a:ext uri="{FF2B5EF4-FFF2-40B4-BE49-F238E27FC236}">
-                <a16:creationId xmlns:a16="http://schemas.microsoft.com/office/drawing/2014/main" id="{CEFEB437-C6AA-4BC0-A8D0-C4BF024B684E}"/>
+                <a16:creationId xmlns="" xmlns:a16="http://schemas.microsoft.com/office/drawing/2014/main" id="{CEFEB437-C6AA-4BC0-A8D0-C4BF024B684E}"/>
               </a:ext>
             </a:extLst>
           </p:cNvPr>
@@ -27551,7 +27561,7 @@
           <p:cNvPr id="8" name="TextBox 7">
             <a:extLst>
               <a:ext uri="{FF2B5EF4-FFF2-40B4-BE49-F238E27FC236}">
-                <a16:creationId xmlns:a16="http://schemas.microsoft.com/office/drawing/2014/main" id="{E745E338-A3CD-4EE9-9801-700400CA00F4}"/>
+                <a16:creationId xmlns="" xmlns:a16="http://schemas.microsoft.com/office/drawing/2014/main" id="{E745E338-A3CD-4EE9-9801-700400CA00F4}"/>
               </a:ext>
             </a:extLst>
           </p:cNvPr>
@@ -27874,7 +27884,7 @@
           <p:cNvPr id="5" name="object 2">
             <a:extLst>
               <a:ext uri="{FF2B5EF4-FFF2-40B4-BE49-F238E27FC236}">
-                <a16:creationId xmlns:a16="http://schemas.microsoft.com/office/drawing/2014/main" id="{AE4CB31C-5E66-474B-9D08-92D7490CE614}"/>
+                <a16:creationId xmlns="" xmlns:a16="http://schemas.microsoft.com/office/drawing/2014/main" id="{AE4CB31C-5E66-474B-9D08-92D7490CE614}"/>
               </a:ext>
             </a:extLst>
           </p:cNvPr>
@@ -27901,7 +27911,7 @@
           <p:cNvPr id="8" name="TextBox 7">
             <a:extLst>
               <a:ext uri="{FF2B5EF4-FFF2-40B4-BE49-F238E27FC236}">
-                <a16:creationId xmlns:a16="http://schemas.microsoft.com/office/drawing/2014/main" id="{6CA0A6DA-C3DC-4EE3-BCBF-2AEDCAFBEDE4}"/>
+                <a16:creationId xmlns="" xmlns:a16="http://schemas.microsoft.com/office/drawing/2014/main" id="{6CA0A6DA-C3DC-4EE3-BCBF-2AEDCAFBEDE4}"/>
               </a:ext>
             </a:extLst>
           </p:cNvPr>
@@ -28061,7 +28071,7 @@
           <p:cNvPr id="5" name="object 2">
             <a:extLst>
               <a:ext uri="{FF2B5EF4-FFF2-40B4-BE49-F238E27FC236}">
-                <a16:creationId xmlns:a16="http://schemas.microsoft.com/office/drawing/2014/main" id="{AE4CB31C-5E66-474B-9D08-92D7490CE614}"/>
+                <a16:creationId xmlns="" xmlns:a16="http://schemas.microsoft.com/office/drawing/2014/main" id="{AE4CB31C-5E66-474B-9D08-92D7490CE614}"/>
               </a:ext>
             </a:extLst>
           </p:cNvPr>
@@ -28088,7 +28098,7 @@
           <p:cNvPr id="8" name="TextBox 7">
             <a:extLst>
               <a:ext uri="{FF2B5EF4-FFF2-40B4-BE49-F238E27FC236}">
-                <a16:creationId xmlns:a16="http://schemas.microsoft.com/office/drawing/2014/main" id="{6CA0A6DA-C3DC-4EE3-BCBF-2AEDCAFBEDE4}"/>
+                <a16:creationId xmlns="" xmlns:a16="http://schemas.microsoft.com/office/drawing/2014/main" id="{6CA0A6DA-C3DC-4EE3-BCBF-2AEDCAFBEDE4}"/>
               </a:ext>
             </a:extLst>
           </p:cNvPr>
@@ -28240,7 +28250,7 @@
           <p:cNvPr id="5" name="object 2">
             <a:extLst>
               <a:ext uri="{FF2B5EF4-FFF2-40B4-BE49-F238E27FC236}">
-                <a16:creationId xmlns:a16="http://schemas.microsoft.com/office/drawing/2014/main" id="{AE4CB31C-5E66-474B-9D08-92D7490CE614}"/>
+                <a16:creationId xmlns="" xmlns:a16="http://schemas.microsoft.com/office/drawing/2014/main" id="{AE4CB31C-5E66-474B-9D08-92D7490CE614}"/>
               </a:ext>
             </a:extLst>
           </p:cNvPr>
@@ -28375,7 +28385,7 @@
           <p:cNvPr id="25" name="TextBox 24">
             <a:extLst>
               <a:ext uri="{FF2B5EF4-FFF2-40B4-BE49-F238E27FC236}">
-                <a16:creationId xmlns:a16="http://schemas.microsoft.com/office/drawing/2014/main" id="{A3B76C38-5C63-40EA-9C87-3E38ECF3DF17}"/>
+                <a16:creationId xmlns="" xmlns:a16="http://schemas.microsoft.com/office/drawing/2014/main" id="{A3B76C38-5C63-40EA-9C87-3E38ECF3DF17}"/>
               </a:ext>
             </a:extLst>
           </p:cNvPr>
@@ -28977,7 +28987,7 @@
           <p:cNvPr id="9" name="Rectangle 28" descr="Светлый диагональный 2">
             <a:extLst>
               <a:ext uri="{FF2B5EF4-FFF2-40B4-BE49-F238E27FC236}">
-                <a16:creationId xmlns:a16="http://schemas.microsoft.com/office/drawing/2014/main" id="{2A0E99F7-A4CC-4E8F-8C74-D6A03276576B}"/>
+                <a16:creationId xmlns="" xmlns:a16="http://schemas.microsoft.com/office/drawing/2014/main" id="{2A0E99F7-A4CC-4E8F-8C74-D6A03276576B}"/>
               </a:ext>
             </a:extLst>
           </p:cNvPr>
@@ -29306,9 +29316,6 @@
               </a:rPr>
               <a:t>код</a:t>
             </a:r>
-            <a:endParaRPr lang="ru-RU" altLang="ru-RU" sz="2400" dirty="0" smtClean="0">
-              <a:latin typeface="Bookman Old Style" pitchFamily="18" charset="0"/>
-            </a:endParaRPr>
           </a:p>
           <a:p>
             <a:pPr marL="457200" indent="-457200">
@@ -29519,7 +29526,7 @@
           <p:cNvPr id="25" name="TextBox 24">
             <a:extLst>
               <a:ext uri="{FF2B5EF4-FFF2-40B4-BE49-F238E27FC236}">
-                <a16:creationId xmlns:a16="http://schemas.microsoft.com/office/drawing/2014/main" id="{A3B76C38-5C63-40EA-9C87-3E38ECF3DF17}"/>
+                <a16:creationId xmlns="" xmlns:a16="http://schemas.microsoft.com/office/drawing/2014/main" id="{A3B76C38-5C63-40EA-9C87-3E38ECF3DF17}"/>
               </a:ext>
             </a:extLst>
           </p:cNvPr>
@@ -30045,7 +30052,7 @@
           <p:cNvPr id="13" name="Rectangle 28" descr="Светлый диагональный 2">
             <a:extLst>
               <a:ext uri="{FF2B5EF4-FFF2-40B4-BE49-F238E27FC236}">
-                <a16:creationId xmlns:a16="http://schemas.microsoft.com/office/drawing/2014/main" id="{D6502A20-AA0C-4850-8A10-B79FACCCD907}"/>
+                <a16:creationId xmlns="" xmlns:a16="http://schemas.microsoft.com/office/drawing/2014/main" id="{D6502A20-AA0C-4850-8A10-B79FACCCD907}"/>
               </a:ext>
             </a:extLst>
           </p:cNvPr>
@@ -30159,7 +30166,7 @@
           <p:cNvPr id="14" name="TextBox 13">
             <a:extLst>
               <a:ext uri="{FF2B5EF4-FFF2-40B4-BE49-F238E27FC236}">
-                <a16:creationId xmlns:a16="http://schemas.microsoft.com/office/drawing/2014/main" id="{6A1D36E1-C8C4-4E3C-9577-E86EAC399465}"/>
+                <a16:creationId xmlns="" xmlns:a16="http://schemas.microsoft.com/office/drawing/2014/main" id="{6A1D36E1-C8C4-4E3C-9577-E86EAC399465}"/>
               </a:ext>
             </a:extLst>
           </p:cNvPr>
@@ -30168,8 +30175,8 @@
         </p:nvSpPr>
         <p:spPr>
           <a:xfrm>
-            <a:off x="268941" y="654356"/>
-            <a:ext cx="11923058" cy="6001643"/>
+            <a:off x="0" y="654356"/>
+            <a:ext cx="12191999" cy="6001643"/>
           </a:xfrm>
           <a:prstGeom prst="rect">
             <a:avLst/>
@@ -30177,11 +30184,16 @@
           <a:noFill/>
         </p:spPr>
         <p:txBody>
-          <a:bodyPr wrap="square">
+          <a:bodyPr wrap="square" lIns="360000" rIns="360000">
             <a:spAutoFit/>
           </a:bodyPr>
           <a:lstStyle/>
           <a:p>
+            <a:pPr algn="just">
+              <a:lnSpc>
+                <a:spcPct val="150000"/>
+              </a:lnSpc>
+            </a:pPr>
             <a:r>
               <a:rPr lang="ru-RU" sz="2400" dirty="0">
                 <a:solidFill>
@@ -30218,8 +30230,6 @@
               </a:rPr>
               <a:t>.</a:t>
             </a:r>
-          </a:p>
-          <a:p>
             <a:endParaRPr lang="ru-RU" sz="2400" dirty="0" smtClean="0">
               <a:solidFill>
                 <a:srgbClr val="000000"/>
@@ -30955,7 +30965,7 @@
           <p:cNvPr id="14" name="TextBox 13">
             <a:extLst>
               <a:ext uri="{FF2B5EF4-FFF2-40B4-BE49-F238E27FC236}">
-                <a16:creationId xmlns:a16="http://schemas.microsoft.com/office/drawing/2014/main" id="{6A1D36E1-C8C4-4E3C-9577-E86EAC399465}"/>
+                <a16:creationId xmlns="" xmlns:a16="http://schemas.microsoft.com/office/drawing/2014/main" id="{6A1D36E1-C8C4-4E3C-9577-E86EAC399465}"/>
               </a:ext>
             </a:extLst>
           </p:cNvPr>
@@ -30964,8 +30974,8 @@
         </p:nvSpPr>
         <p:spPr>
           <a:xfrm>
-            <a:off x="344245" y="540056"/>
-            <a:ext cx="11847754" cy="4154984"/>
+            <a:off x="0" y="186765"/>
+            <a:ext cx="12192000" cy="4524315"/>
           </a:xfrm>
           <a:prstGeom prst="rect">
             <a:avLst/>
@@ -30973,7 +30983,7 @@
           <a:noFill/>
         </p:spPr>
         <p:txBody>
-          <a:bodyPr wrap="square">
+          <a:bodyPr wrap="square" lIns="360000" rIns="360000">
             <a:spAutoFit/>
           </a:bodyPr>
           <a:lstStyle/>
@@ -33044,7 +33054,7 @@
           <p:cNvPr id="33" name="TextBox 32">
             <a:extLst>
               <a:ext uri="{FF2B5EF4-FFF2-40B4-BE49-F238E27FC236}">
-                <a16:creationId xmlns:a16="http://schemas.microsoft.com/office/drawing/2014/main" id="{689B0D2C-0018-42DF-877A-CCACB021655D}"/>
+                <a16:creationId xmlns="" xmlns:a16="http://schemas.microsoft.com/office/drawing/2014/main" id="{689B0D2C-0018-42DF-877A-CCACB021655D}"/>
               </a:ext>
             </a:extLst>
           </p:cNvPr>
@@ -33187,7 +33197,7 @@
           <p:cNvPr id="46" name="Группа 45">
             <a:extLst>
               <a:ext uri="{FF2B5EF4-FFF2-40B4-BE49-F238E27FC236}">
-                <a16:creationId xmlns:a16="http://schemas.microsoft.com/office/drawing/2014/main" id="{259CF808-FDEC-404B-9021-D9644DEED751}"/>
+                <a16:creationId xmlns="" xmlns:a16="http://schemas.microsoft.com/office/drawing/2014/main" id="{259CF808-FDEC-404B-9021-D9644DEED751}"/>
               </a:ext>
             </a:extLst>
           </p:cNvPr>
@@ -33207,7 +33217,7 @@
             <p:cNvPr id="36" name="Прямоугольник 35">
               <a:extLst>
                 <a:ext uri="{FF2B5EF4-FFF2-40B4-BE49-F238E27FC236}">
-                  <a16:creationId xmlns:a16="http://schemas.microsoft.com/office/drawing/2014/main" id="{81B8DD6E-DB8A-49C8-8BE9-48882B5BAC55}"/>
+                  <a16:creationId xmlns="" xmlns:a16="http://schemas.microsoft.com/office/drawing/2014/main" id="{81B8DD6E-DB8A-49C8-8BE9-48882B5BAC55}"/>
                 </a:ext>
               </a:extLst>
             </p:cNvPr>
@@ -33275,7 +33285,7 @@
             <p:cNvPr id="37" name="Прямоугольник 36">
               <a:extLst>
                 <a:ext uri="{FF2B5EF4-FFF2-40B4-BE49-F238E27FC236}">
-                  <a16:creationId xmlns:a16="http://schemas.microsoft.com/office/drawing/2014/main" id="{EEDA65F8-FEC4-4F53-8EC0-11AEAA114C9F}"/>
+                  <a16:creationId xmlns="" xmlns:a16="http://schemas.microsoft.com/office/drawing/2014/main" id="{EEDA65F8-FEC4-4F53-8EC0-11AEAA114C9F}"/>
                 </a:ext>
               </a:extLst>
             </p:cNvPr>
@@ -33340,7 +33350,7 @@
             <p:cNvPr id="38" name="Прямоугольник 37">
               <a:extLst>
                 <a:ext uri="{FF2B5EF4-FFF2-40B4-BE49-F238E27FC236}">
-                  <a16:creationId xmlns:a16="http://schemas.microsoft.com/office/drawing/2014/main" id="{1FB65849-4720-4EA1-BF88-57D898657A78}"/>
+                  <a16:creationId xmlns="" xmlns:a16="http://schemas.microsoft.com/office/drawing/2014/main" id="{1FB65849-4720-4EA1-BF88-57D898657A78}"/>
                 </a:ext>
               </a:extLst>
             </p:cNvPr>
@@ -33405,7 +33415,7 @@
             <p:cNvPr id="39" name="Прямая со стрелкой 38">
               <a:extLst>
                 <a:ext uri="{FF2B5EF4-FFF2-40B4-BE49-F238E27FC236}">
-                  <a16:creationId xmlns:a16="http://schemas.microsoft.com/office/drawing/2014/main" id="{A1A07A0C-8973-40B8-8D9E-16308056F0AE}"/>
+                  <a16:creationId xmlns="" xmlns:a16="http://schemas.microsoft.com/office/drawing/2014/main" id="{A1A07A0C-8973-40B8-8D9E-16308056F0AE}"/>
                 </a:ext>
               </a:extLst>
             </p:cNvPr>
@@ -33447,7 +33457,7 @@
             <p:cNvPr id="42" name="Прямая со стрелкой 41">
               <a:extLst>
                 <a:ext uri="{FF2B5EF4-FFF2-40B4-BE49-F238E27FC236}">
-                  <a16:creationId xmlns:a16="http://schemas.microsoft.com/office/drawing/2014/main" id="{66575EE3-1F50-4066-908C-42819E162798}"/>
+                  <a16:creationId xmlns="" xmlns:a16="http://schemas.microsoft.com/office/drawing/2014/main" id="{66575EE3-1F50-4066-908C-42819E162798}"/>
                 </a:ext>
               </a:extLst>
             </p:cNvPr>
@@ -33490,7 +33500,7 @@
             <p:cNvPr id="45" name="Прямая со стрелкой 44">
               <a:extLst>
                 <a:ext uri="{FF2B5EF4-FFF2-40B4-BE49-F238E27FC236}">
-                  <a16:creationId xmlns:a16="http://schemas.microsoft.com/office/drawing/2014/main" id="{F6BE3228-D158-4958-9E0A-A32806A0FB19}"/>
+                  <a16:creationId xmlns="" xmlns:a16="http://schemas.microsoft.com/office/drawing/2014/main" id="{F6BE3228-D158-4958-9E0A-A32806A0FB19}"/>
                 </a:ext>
               </a:extLst>
             </p:cNvPr>
@@ -33534,7 +33544,7 @@
           <p:cNvPr id="3" name="Рисунок 2">
             <a:extLst>
               <a:ext uri="{FF2B5EF4-FFF2-40B4-BE49-F238E27FC236}">
-                <a16:creationId xmlns:a16="http://schemas.microsoft.com/office/drawing/2014/main" id="{9599A06E-78B4-4F36-A9B1-2F8FC9FC1C29}"/>
+                <a16:creationId xmlns="" xmlns:a16="http://schemas.microsoft.com/office/drawing/2014/main" id="{9599A06E-78B4-4F36-A9B1-2F8FC9FC1C29}"/>
               </a:ext>
             </a:extLst>
           </p:cNvPr>
@@ -33570,7 +33580,7 @@
           <p:cNvPr id="16" name="TextBox 15">
             <a:extLst>
               <a:ext uri="{FF2B5EF4-FFF2-40B4-BE49-F238E27FC236}">
-                <a16:creationId xmlns:a16="http://schemas.microsoft.com/office/drawing/2014/main" id="{ADFDB2B9-53A5-400D-9BFD-77ABF1976DD0}"/>
+                <a16:creationId xmlns="" xmlns:a16="http://schemas.microsoft.com/office/drawing/2014/main" id="{ADFDB2B9-53A5-400D-9BFD-77ABF1976DD0}"/>
               </a:ext>
             </a:extLst>
           </p:cNvPr>
@@ -33678,7 +33688,7 @@
           <p:cNvPr id="32" name="Прямоугольник 31">
             <a:extLst>
               <a:ext uri="{FF2B5EF4-FFF2-40B4-BE49-F238E27FC236}">
-                <a16:creationId xmlns:a16="http://schemas.microsoft.com/office/drawing/2014/main" id="{A233A3E2-506E-4F5C-976A-38C434F59978}"/>
+                <a16:creationId xmlns="" xmlns:a16="http://schemas.microsoft.com/office/drawing/2014/main" id="{A233A3E2-506E-4F5C-976A-38C434F59978}"/>
               </a:ext>
             </a:extLst>
           </p:cNvPr>
@@ -33854,7 +33864,7 @@
           <p:cNvPr id="3" name="Рисунок 2">
             <a:extLst>
               <a:ext uri="{FF2B5EF4-FFF2-40B4-BE49-F238E27FC236}">
-                <a16:creationId xmlns:a16="http://schemas.microsoft.com/office/drawing/2014/main" id="{9CD0478D-DBA8-49E3-99F5-14EE8A29FA77}"/>
+                <a16:creationId xmlns="" xmlns:a16="http://schemas.microsoft.com/office/drawing/2014/main" id="{9CD0478D-DBA8-49E3-99F5-14EE8A29FA77}"/>
               </a:ext>
             </a:extLst>
           </p:cNvPr>
@@ -33890,7 +33900,7 @@
           <p:cNvPr id="8" name="Рисунок 7">
             <a:extLst>
               <a:ext uri="{FF2B5EF4-FFF2-40B4-BE49-F238E27FC236}">
-                <a16:creationId xmlns:a16="http://schemas.microsoft.com/office/drawing/2014/main" id="{0803E179-9370-4450-A401-0A04F80F3ED2}"/>
+                <a16:creationId xmlns="" xmlns:a16="http://schemas.microsoft.com/office/drawing/2014/main" id="{0803E179-9370-4450-A401-0A04F80F3ED2}"/>
               </a:ext>
             </a:extLst>
           </p:cNvPr>
@@ -34010,7 +34020,7 @@
           <p:cNvPr id="25" name="Прямоугольник 24">
             <a:extLst>
               <a:ext uri="{FF2B5EF4-FFF2-40B4-BE49-F238E27FC236}">
-                <a16:creationId xmlns:a16="http://schemas.microsoft.com/office/drawing/2014/main" id="{22956EA0-33B4-48F1-925B-D54652BE9463}"/>
+                <a16:creationId xmlns="" xmlns:a16="http://schemas.microsoft.com/office/drawing/2014/main" id="{22956EA0-33B4-48F1-925B-D54652BE9463}"/>
               </a:ext>
             </a:extLst>
           </p:cNvPr>
@@ -34158,7 +34168,7 @@
           <p:cNvPr id="3" name="Рисунок 2">
             <a:extLst>
               <a:ext uri="{FF2B5EF4-FFF2-40B4-BE49-F238E27FC236}">
-                <a16:creationId xmlns:a16="http://schemas.microsoft.com/office/drawing/2014/main" id="{98AE2332-BF36-41E5-8565-CFDE4EF6FD1F}"/>
+                <a16:creationId xmlns="" xmlns:a16="http://schemas.microsoft.com/office/drawing/2014/main" id="{98AE2332-BF36-41E5-8565-CFDE4EF6FD1F}"/>
               </a:ext>
             </a:extLst>
           </p:cNvPr>
@@ -34194,7 +34204,7 @@
           <p:cNvPr id="7" name="Прямоугольник 6">
             <a:extLst>
               <a:ext uri="{FF2B5EF4-FFF2-40B4-BE49-F238E27FC236}">
-                <a16:creationId xmlns:a16="http://schemas.microsoft.com/office/drawing/2014/main" id="{71425BD6-517C-4288-8EB1-AAB3D502CA2C}"/>
+                <a16:creationId xmlns="" xmlns:a16="http://schemas.microsoft.com/office/drawing/2014/main" id="{71425BD6-517C-4288-8EB1-AAB3D502CA2C}"/>
               </a:ext>
             </a:extLst>
           </p:cNvPr>
@@ -34298,7 +34308,7 @@
           <p:cNvPr id="25" name="Прямоугольник 24">
             <a:extLst>
               <a:ext uri="{FF2B5EF4-FFF2-40B4-BE49-F238E27FC236}">
-                <a16:creationId xmlns:a16="http://schemas.microsoft.com/office/drawing/2014/main" id="{22956EA0-33B4-48F1-925B-D54652BE9463}"/>
+                <a16:creationId xmlns="" xmlns:a16="http://schemas.microsoft.com/office/drawing/2014/main" id="{22956EA0-33B4-48F1-925B-D54652BE9463}"/>
               </a:ext>
             </a:extLst>
           </p:cNvPr>
@@ -34327,17 +34337,11 @@
             </a:pPr>
             <a:r>
               <a:rPr lang="ru-RU" sz="2400" b="1" dirty="0">
-                <a:solidFill>
-                  <a:srgbClr val="24292F"/>
-                </a:solidFill>
                 <a:latin typeface="Bookman Old Style" panose="02050604050505020204" pitchFamily="18" charset="0"/>
               </a:rPr>
               <a:t>Ключевые особенности C#</a:t>
             </a:r>
             <a:endParaRPr lang="ru-RU" sz="2400" dirty="0">
-              <a:solidFill>
-                <a:srgbClr val="24292F"/>
-              </a:solidFill>
               <a:latin typeface="Bookman Old Style" panose="02050604050505020204" pitchFamily="18" charset="0"/>
             </a:endParaRPr>
           </a:p>
@@ -34349,9 +34353,6 @@
             </a:pPr>
             <a:r>
               <a:rPr lang="ru-RU" sz="2400" dirty="0">
-                <a:solidFill>
-                  <a:srgbClr val="24292F"/>
-                </a:solidFill>
                 <a:latin typeface="Bookman Old Style" panose="02050604050505020204" pitchFamily="18" charset="0"/>
               </a:rPr>
               <a:t>C# унаследовал многие функции от C++, но также добавил ряд новых функций, в том числе:</a:t>
@@ -34367,27 +34368,18 @@
             </a:pPr>
             <a:r>
               <a:rPr lang="ru-RU" sz="2400" b="1" dirty="0" smtClean="0">
-                <a:solidFill>
-                  <a:srgbClr val="24292F"/>
-                </a:solidFill>
                 <a:latin typeface="Bookman Old Style" panose="02050604050505020204" pitchFamily="18" charset="0"/>
               </a:rPr>
               <a:t>Управляемая </a:t>
             </a:r>
             <a:r>
               <a:rPr lang="ru-RU" sz="2400" b="1" dirty="0">
-                <a:solidFill>
-                  <a:srgbClr val="24292F"/>
-                </a:solidFill>
                 <a:latin typeface="Bookman Old Style" panose="02050604050505020204" pitchFamily="18" charset="0"/>
               </a:rPr>
               <a:t>среда:</a:t>
             </a:r>
             <a:r>
               <a:rPr lang="ru-RU" sz="2400" dirty="0">
-                <a:solidFill>
-                  <a:srgbClr val="24292F"/>
-                </a:solidFill>
                 <a:latin typeface="Bookman Old Style" panose="02050604050505020204" pitchFamily="18" charset="0"/>
               </a:rPr>
               <a:t> C# выполняется в управляемой среде, которая обеспечивает автоматическое управление памятью и защиту от сбоев.</a:t>
@@ -34403,18 +34395,12 @@
             </a:pPr>
             <a:r>
               <a:rPr lang="ru-RU" sz="2400" b="1" dirty="0">
-                <a:solidFill>
-                  <a:srgbClr val="24292F"/>
-                </a:solidFill>
                 <a:latin typeface="Bookman Old Style" panose="02050604050505020204" pitchFamily="18" charset="0"/>
               </a:rPr>
               <a:t>Безопасность типов:</a:t>
             </a:r>
             <a:r>
               <a:rPr lang="ru-RU" sz="2400" dirty="0">
-                <a:solidFill>
-                  <a:srgbClr val="24292F"/>
-                </a:solidFill>
                 <a:latin typeface="Bookman Old Style" panose="02050604050505020204" pitchFamily="18" charset="0"/>
               </a:rPr>
               <a:t> C# использует строгую систему типов, которая помогает предотвратить ошибки во время выполнения.</a:t>
@@ -34430,18 +34416,12 @@
             </a:pPr>
             <a:r>
               <a:rPr lang="ru-RU" sz="2400" b="1" dirty="0">
-                <a:solidFill>
-                  <a:srgbClr val="24292F"/>
-                </a:solidFill>
                 <a:latin typeface="Bookman Old Style" panose="02050604050505020204" pitchFamily="18" charset="0"/>
               </a:rPr>
               <a:t>Объектно-ориентированный:</a:t>
             </a:r>
             <a:r>
               <a:rPr lang="ru-RU" sz="2400" dirty="0">
-                <a:solidFill>
-                  <a:srgbClr val="24292F"/>
-                </a:solidFill>
                 <a:latin typeface="Bookman Old Style" panose="02050604050505020204" pitchFamily="18" charset="0"/>
               </a:rPr>
               <a:t> C# является объектно-ориентированным языком, который поддерживает наследование, полиморфизм и инкапсуляцию.</a:t>
@@ -34457,27 +34437,18 @@
             </a:pPr>
             <a:r>
               <a:rPr lang="ru-RU" sz="2400" b="1" dirty="0">
-                <a:solidFill>
-                  <a:srgbClr val="24292F"/>
-                </a:solidFill>
                 <a:latin typeface="Bookman Old Style" panose="02050604050505020204" pitchFamily="18" charset="0"/>
               </a:rPr>
               <a:t>Совместимость с .NET:</a:t>
             </a:r>
             <a:r>
               <a:rPr lang="ru-RU" sz="2400" dirty="0">
-                <a:solidFill>
-                  <a:srgbClr val="24292F"/>
-                </a:solidFill>
                 <a:latin typeface="Bookman Old Style" panose="02050604050505020204" pitchFamily="18" charset="0"/>
               </a:rPr>
               <a:t> C# является частью платформы .NET, которая предоставляет богатый набор библиотек и служб для разработки приложений</a:t>
             </a:r>
             <a:r>
               <a:rPr lang="ru-RU" sz="2400" dirty="0" smtClean="0">
-                <a:solidFill>
-                  <a:srgbClr val="24292F"/>
-                </a:solidFill>
                 <a:latin typeface="Bookman Old Style" panose="02050604050505020204" pitchFamily="18" charset="0"/>
               </a:rPr>
               <a:t>.</a:t>
